--- a/프로토타입.pptx
+++ b/프로토타입.pptx
@@ -5,7 +5,7 @@
     <p:sldMasterId id="2147483648" r:id="rId1"/>
   </p:sldMasterIdLst>
   <p:notesMasterIdLst>
-    <p:notesMasterId r:id="rId15"/>
+    <p:notesMasterId r:id="rId16"/>
   </p:notesMasterIdLst>
   <p:sldIdLst>
     <p:sldId id="257" r:id="rId2"/>
@@ -21,6 +21,7 @@
     <p:sldId id="265" r:id="rId12"/>
     <p:sldId id="263" r:id="rId13"/>
     <p:sldId id="272" r:id="rId14"/>
+    <p:sldId id="273" r:id="rId15"/>
   </p:sldIdLst>
   <p:sldSz cx="12192000" cy="6858000"/>
   <p:notesSz cx="6858000" cy="9144000"/>
@@ -119,6 +120,11 @@
       </a:defRPr>
     </a:lvl9pPr>
   </p:defaultTextStyle>
+  <p:extLst>
+    <p:ext uri="{EFAFB233-063F-42B5-8137-9DF3F51BA10A}">
+      <p15:sldGuideLst xmlns:p15="http://schemas.microsoft.com/office/powerpoint/2012/main"/>
+    </p:ext>
+  </p:extLst>
 </p:presentation>
 </file>
 
@@ -204,7 +210,7 @@
           <a:p>
             <a:fld id="{243E5C86-3B6A-41D8-B29B-86183A5D8383}" type="datetimeFigureOut">
               <a:rPr lang="ko-KR" altLang="en-US" smtClean="0"/>
-              <a:t>2020-05-20</a:t>
+              <a:t>2020-05-21</a:t>
             </a:fld>
             <a:endParaRPr lang="ko-KR" altLang="en-US"/>
           </a:p>
@@ -702,7 +708,7 @@
           <a:p>
             <a:fld id="{25C50121-8DBA-44E0-AE34-441487C928AC}" type="datetimeFigureOut">
               <a:rPr lang="ko-KR" altLang="en-US" smtClean="0"/>
-              <a:t>2020-05-20</a:t>
+              <a:t>2020-05-21</a:t>
             </a:fld>
             <a:endParaRPr lang="ko-KR" altLang="en-US"/>
           </a:p>
@@ -900,7 +906,7 @@
           <a:p>
             <a:fld id="{25C50121-8DBA-44E0-AE34-441487C928AC}" type="datetimeFigureOut">
               <a:rPr lang="ko-KR" altLang="en-US" smtClean="0"/>
-              <a:t>2020-05-20</a:t>
+              <a:t>2020-05-21</a:t>
             </a:fld>
             <a:endParaRPr lang="ko-KR" altLang="en-US"/>
           </a:p>
@@ -1108,7 +1114,7 @@
           <a:p>
             <a:fld id="{25C50121-8DBA-44E0-AE34-441487C928AC}" type="datetimeFigureOut">
               <a:rPr lang="ko-KR" altLang="en-US" smtClean="0"/>
-              <a:t>2020-05-20</a:t>
+              <a:t>2020-05-21</a:t>
             </a:fld>
             <a:endParaRPr lang="ko-KR" altLang="en-US"/>
           </a:p>
@@ -1306,7 +1312,7 @@
           <a:p>
             <a:fld id="{25C50121-8DBA-44E0-AE34-441487C928AC}" type="datetimeFigureOut">
               <a:rPr lang="ko-KR" altLang="en-US" smtClean="0"/>
-              <a:t>2020-05-20</a:t>
+              <a:t>2020-05-21</a:t>
             </a:fld>
             <a:endParaRPr lang="ko-KR" altLang="en-US"/>
           </a:p>
@@ -1581,7 +1587,7 @@
           <a:p>
             <a:fld id="{25C50121-8DBA-44E0-AE34-441487C928AC}" type="datetimeFigureOut">
               <a:rPr lang="ko-KR" altLang="en-US" smtClean="0"/>
-              <a:t>2020-05-20</a:t>
+              <a:t>2020-05-21</a:t>
             </a:fld>
             <a:endParaRPr lang="ko-KR" altLang="en-US"/>
           </a:p>
@@ -1846,7 +1852,7 @@
           <a:p>
             <a:fld id="{25C50121-8DBA-44E0-AE34-441487C928AC}" type="datetimeFigureOut">
               <a:rPr lang="ko-KR" altLang="en-US" smtClean="0"/>
-              <a:t>2020-05-20</a:t>
+              <a:t>2020-05-21</a:t>
             </a:fld>
             <a:endParaRPr lang="ko-KR" altLang="en-US"/>
           </a:p>
@@ -2258,7 +2264,7 @@
           <a:p>
             <a:fld id="{25C50121-8DBA-44E0-AE34-441487C928AC}" type="datetimeFigureOut">
               <a:rPr lang="ko-KR" altLang="en-US" smtClean="0"/>
-              <a:t>2020-05-20</a:t>
+              <a:t>2020-05-21</a:t>
             </a:fld>
             <a:endParaRPr lang="ko-KR" altLang="en-US"/>
           </a:p>
@@ -2399,7 +2405,7 @@
           <a:p>
             <a:fld id="{25C50121-8DBA-44E0-AE34-441487C928AC}" type="datetimeFigureOut">
               <a:rPr lang="ko-KR" altLang="en-US" smtClean="0"/>
-              <a:t>2020-05-20</a:t>
+              <a:t>2020-05-21</a:t>
             </a:fld>
             <a:endParaRPr lang="ko-KR" altLang="en-US"/>
           </a:p>
@@ -2512,7 +2518,7 @@
           <a:p>
             <a:fld id="{25C50121-8DBA-44E0-AE34-441487C928AC}" type="datetimeFigureOut">
               <a:rPr lang="ko-KR" altLang="en-US" smtClean="0"/>
-              <a:t>2020-05-20</a:t>
+              <a:t>2020-05-21</a:t>
             </a:fld>
             <a:endParaRPr lang="ko-KR" altLang="en-US"/>
           </a:p>
@@ -2823,7 +2829,7 @@
           <a:p>
             <a:fld id="{25C50121-8DBA-44E0-AE34-441487C928AC}" type="datetimeFigureOut">
               <a:rPr lang="ko-KR" altLang="en-US" smtClean="0"/>
-              <a:t>2020-05-20</a:t>
+              <a:t>2020-05-21</a:t>
             </a:fld>
             <a:endParaRPr lang="ko-KR" altLang="en-US"/>
           </a:p>
@@ -3111,7 +3117,7 @@
           <a:p>
             <a:fld id="{25C50121-8DBA-44E0-AE34-441487C928AC}" type="datetimeFigureOut">
               <a:rPr lang="ko-KR" altLang="en-US" smtClean="0"/>
-              <a:t>2020-05-20</a:t>
+              <a:t>2020-05-21</a:t>
             </a:fld>
             <a:endParaRPr lang="ko-KR" altLang="en-US"/>
           </a:p>
@@ -3352,7 +3358,7 @@
           <a:p>
             <a:fld id="{25C50121-8DBA-44E0-AE34-441487C928AC}" type="datetimeFigureOut">
               <a:rPr lang="ko-KR" altLang="en-US" smtClean="0"/>
-              <a:t>2020-05-20</a:t>
+              <a:t>2020-05-21</a:t>
             </a:fld>
             <a:endParaRPr lang="ko-KR" altLang="en-US"/>
           </a:p>
@@ -3784,14 +3790,14 @@
           <p:nvPr>
             <p:extLst>
               <p:ext uri="{D42A27DB-BD31-4B8C-83A1-F6EECF244321}">
-                <p14:modId xmlns:p14="http://schemas.microsoft.com/office/powerpoint/2010/main" val="4067242941"/>
+                <p14:modId xmlns:p14="http://schemas.microsoft.com/office/powerpoint/2010/main" val="2219309054"/>
               </p:ext>
             </p:extLst>
           </p:nvPr>
         </p:nvGraphicFramePr>
         <p:xfrm>
-          <a:off x="0" y="538986"/>
-          <a:ext cx="12192001" cy="6485301"/>
+          <a:off x="1" y="538986"/>
+          <a:ext cx="11926612" cy="6485301"/>
         </p:xfrm>
         <a:graphic>
           <a:graphicData uri="http://schemas.openxmlformats.org/drawingml/2006/table">
@@ -3800,56 +3806,56 @@
                 <a:tableStyleId>{5C22544A-7EE6-4342-B048-85BDC9FD1C3A}</a:tableStyleId>
               </a:tblPr>
               <a:tblGrid>
-                <a:gridCol w="1969026">
+                <a:gridCol w="1925389">
                   <a:extLst>
                     <a:ext uri="{9D8B030D-6E8A-4147-A177-3AD203B41FA5}">
                       <a16:colId xmlns:a16="http://schemas.microsoft.com/office/drawing/2014/main" val="2997852900"/>
                     </a:ext>
                   </a:extLst>
                 </a:gridCol>
-                <a:gridCol w="1365381">
+                <a:gridCol w="1335122">
                   <a:extLst>
                     <a:ext uri="{9D8B030D-6E8A-4147-A177-3AD203B41FA5}">
                       <a16:colId xmlns:a16="http://schemas.microsoft.com/office/drawing/2014/main" val="2655582867"/>
                     </a:ext>
                   </a:extLst>
                 </a:gridCol>
-                <a:gridCol w="208280">
+                <a:gridCol w="208471">
                   <a:extLst>
                     <a:ext uri="{9D8B030D-6E8A-4147-A177-3AD203B41FA5}">
                       <a16:colId xmlns:a16="http://schemas.microsoft.com/office/drawing/2014/main" val="1239605278"/>
                     </a:ext>
                   </a:extLst>
                 </a:gridCol>
-                <a:gridCol w="666706">
+                <a:gridCol w="651930">
                   <a:extLst>
                     <a:ext uri="{9D8B030D-6E8A-4147-A177-3AD203B41FA5}">
                       <a16:colId xmlns:a16="http://schemas.microsoft.com/office/drawing/2014/main" val="3708718683"/>
                     </a:ext>
                   </a:extLst>
                 </a:gridCol>
-                <a:gridCol w="5983015">
+                <a:gridCol w="5850420">
                   <a:extLst>
                     <a:ext uri="{9D8B030D-6E8A-4147-A177-3AD203B41FA5}">
                       <a16:colId xmlns:a16="http://schemas.microsoft.com/office/drawing/2014/main" val="3706653619"/>
                     </a:ext>
                   </a:extLst>
                 </a:gridCol>
-                <a:gridCol w="780393">
+                <a:gridCol w="1031828">
                   <a:extLst>
                     <a:ext uri="{9D8B030D-6E8A-4147-A177-3AD203B41FA5}">
                       <a16:colId xmlns:a16="http://schemas.microsoft.com/office/drawing/2014/main" val="992434237"/>
                     </a:ext>
                   </a:extLst>
                 </a:gridCol>
-                <a:gridCol w="701566">
+                <a:gridCol w="417290">
                   <a:extLst>
                     <a:ext uri="{9D8B030D-6E8A-4147-A177-3AD203B41FA5}">
                       <a16:colId xmlns:a16="http://schemas.microsoft.com/office/drawing/2014/main" val="420572759"/>
                     </a:ext>
                   </a:extLst>
                 </a:gridCol>
-                <a:gridCol w="517634">
+                <a:gridCol w="506162">
                   <a:extLst>
                     <a:ext uri="{9D8B030D-6E8A-4147-A177-3AD203B41FA5}">
                       <a16:colId xmlns:a16="http://schemas.microsoft.com/office/drawing/2014/main" val="2351664824"/>
@@ -6231,7 +6237,7 @@
         </p:blipFill>
         <p:spPr>
           <a:xfrm>
-            <a:off x="10281745" y="3153244"/>
+            <a:off x="10139856" y="3113830"/>
             <a:ext cx="627993" cy="1087821"/>
           </a:xfrm>
           <a:prstGeom prst="rect">
@@ -19505,6 +19511,2644 @@
     <p:extLst>
       <p:ext uri="{BB962C8B-B14F-4D97-AF65-F5344CB8AC3E}">
         <p14:creationId xmlns:p14="http://schemas.microsoft.com/office/powerpoint/2010/main" val="2001276411"/>
+      </p:ext>
+    </p:extLst>
+  </p:cSld>
+  <p:clrMapOvr>
+    <a:masterClrMapping/>
+  </p:clrMapOvr>
+</p:sld>
+</file>
+
+<file path=ppt/slides/slide14.xml><?xml version="1.0" encoding="utf-8"?>
+<p:sld xmlns:a="http://schemas.openxmlformats.org/drawingml/2006/main" xmlns:r="http://schemas.openxmlformats.org/officeDocument/2006/relationships" xmlns:p="http://schemas.openxmlformats.org/presentationml/2006/main">
+  <p:cSld>
+    <p:spTree>
+      <p:nvGrpSpPr>
+        <p:cNvPr id="1" name=""/>
+        <p:cNvGrpSpPr/>
+        <p:nvPr/>
+      </p:nvGrpSpPr>
+      <p:grpSpPr>
+        <a:xfrm>
+          <a:off x="0" y="0"/>
+          <a:ext cx="0" cy="0"/>
+          <a:chOff x="0" y="0"/>
+          <a:chExt cx="0" cy="0"/>
+        </a:xfrm>
+      </p:grpSpPr>
+      <p:graphicFrame>
+        <p:nvGraphicFramePr>
+          <p:cNvPr id="4" name="표 4">
+            <a:extLst>
+              <a:ext uri="{FF2B5EF4-FFF2-40B4-BE49-F238E27FC236}">
+                <a16:creationId xmlns:a16="http://schemas.microsoft.com/office/drawing/2014/main" id="{2CC23C73-9B64-4797-A223-C8CC06276A74}"/>
+              </a:ext>
+            </a:extLst>
+          </p:cNvPr>
+          <p:cNvGraphicFramePr>
+            <a:graphicFrameLocks noGrp="1"/>
+          </p:cNvGraphicFramePr>
+          <p:nvPr/>
+        </p:nvGraphicFramePr>
+        <p:xfrm>
+          <a:off x="0" y="538986"/>
+          <a:ext cx="12192001" cy="6485301"/>
+        </p:xfrm>
+        <a:graphic>
+          <a:graphicData uri="http://schemas.openxmlformats.org/drawingml/2006/table">
+            <a:tbl>
+              <a:tblPr firstRow="1" bandRow="1">
+                <a:tableStyleId>{5C22544A-7EE6-4342-B048-85BDC9FD1C3A}</a:tableStyleId>
+              </a:tblPr>
+              <a:tblGrid>
+                <a:gridCol w="1969026">
+                  <a:extLst>
+                    <a:ext uri="{9D8B030D-6E8A-4147-A177-3AD203B41FA5}">
+                      <a16:colId xmlns:a16="http://schemas.microsoft.com/office/drawing/2014/main" val="2997852900"/>
+                    </a:ext>
+                  </a:extLst>
+                </a:gridCol>
+                <a:gridCol w="1365381">
+                  <a:extLst>
+                    <a:ext uri="{9D8B030D-6E8A-4147-A177-3AD203B41FA5}">
+                      <a16:colId xmlns:a16="http://schemas.microsoft.com/office/drawing/2014/main" val="2655582867"/>
+                    </a:ext>
+                  </a:extLst>
+                </a:gridCol>
+                <a:gridCol w="208280">
+                  <a:extLst>
+                    <a:ext uri="{9D8B030D-6E8A-4147-A177-3AD203B41FA5}">
+                      <a16:colId xmlns:a16="http://schemas.microsoft.com/office/drawing/2014/main" val="1239605278"/>
+                    </a:ext>
+                  </a:extLst>
+                </a:gridCol>
+                <a:gridCol w="666706">
+                  <a:extLst>
+                    <a:ext uri="{9D8B030D-6E8A-4147-A177-3AD203B41FA5}">
+                      <a16:colId xmlns:a16="http://schemas.microsoft.com/office/drawing/2014/main" val="3708718683"/>
+                    </a:ext>
+                  </a:extLst>
+                </a:gridCol>
+                <a:gridCol w="5983015">
+                  <a:extLst>
+                    <a:ext uri="{9D8B030D-6E8A-4147-A177-3AD203B41FA5}">
+                      <a16:colId xmlns:a16="http://schemas.microsoft.com/office/drawing/2014/main" val="3706653619"/>
+                    </a:ext>
+                  </a:extLst>
+                </a:gridCol>
+                <a:gridCol w="780393">
+                  <a:extLst>
+                    <a:ext uri="{9D8B030D-6E8A-4147-A177-3AD203B41FA5}">
+                      <a16:colId xmlns:a16="http://schemas.microsoft.com/office/drawing/2014/main" val="992434237"/>
+                    </a:ext>
+                  </a:extLst>
+                </a:gridCol>
+                <a:gridCol w="701566">
+                  <a:extLst>
+                    <a:ext uri="{9D8B030D-6E8A-4147-A177-3AD203B41FA5}">
+                      <a16:colId xmlns:a16="http://schemas.microsoft.com/office/drawing/2014/main" val="420572759"/>
+                    </a:ext>
+                  </a:extLst>
+                </a:gridCol>
+                <a:gridCol w="517634">
+                  <a:extLst>
+                    <a:ext uri="{9D8B030D-6E8A-4147-A177-3AD203B41FA5}">
+                      <a16:colId xmlns:a16="http://schemas.microsoft.com/office/drawing/2014/main" val="2351664824"/>
+                    </a:ext>
+                  </a:extLst>
+                </a:gridCol>
+              </a:tblGrid>
+              <a:tr h="486581">
+                <a:tc gridSpan="7">
+                  <a:txBody>
+                    <a:bodyPr/>
+                    <a:lstStyle/>
+                    <a:p>
+                      <a:pPr latinLnBrk="1"/>
+                      <a:r>
+                        <a:rPr lang="ko-KR" altLang="en-US" dirty="0"/>
+                        <a:t>레시피 매니저         </a:t>
+                      </a:r>
+                    </a:p>
+                  </a:txBody>
+                  <a:tcPr/>
+                </a:tc>
+                <a:tc hMerge="1">
+                  <a:txBody>
+                    <a:bodyPr/>
+                    <a:lstStyle/>
+                    <a:p>
+                      <a:pPr latinLnBrk="1"/>
+                      <a:endParaRPr lang="ko-KR" altLang="en-US"/>
+                    </a:p>
+                  </a:txBody>
+                  <a:tcPr/>
+                </a:tc>
+                <a:tc hMerge="1">
+                  <a:txBody>
+                    <a:bodyPr/>
+                    <a:lstStyle/>
+                    <a:p>
+                      <a:pPr latinLnBrk="1"/>
+                      <a:endParaRPr lang="ko-KR" altLang="en-US"/>
+                    </a:p>
+                  </a:txBody>
+                  <a:tcPr/>
+                </a:tc>
+                <a:tc hMerge="1">
+                  <a:txBody>
+                    <a:bodyPr/>
+                    <a:lstStyle/>
+                    <a:p>
+                      <a:pPr latinLnBrk="1"/>
+                      <a:endParaRPr lang="ko-KR" altLang="en-US" dirty="0"/>
+                    </a:p>
+                  </a:txBody>
+                  <a:tcPr/>
+                </a:tc>
+                <a:tc hMerge="1">
+                  <a:txBody>
+                    <a:bodyPr/>
+                    <a:lstStyle/>
+                    <a:p>
+                      <a:pPr latinLnBrk="1"/>
+                      <a:endParaRPr lang="ko-KR" altLang="en-US"/>
+                    </a:p>
+                  </a:txBody>
+                  <a:tcPr/>
+                </a:tc>
+                <a:tc hMerge="1">
+                  <a:txBody>
+                    <a:bodyPr/>
+                    <a:lstStyle/>
+                    <a:p>
+                      <a:pPr latinLnBrk="1"/>
+                      <a:endParaRPr lang="ko-KR" altLang="en-US"/>
+                    </a:p>
+                  </a:txBody>
+                  <a:tcPr/>
+                </a:tc>
+                <a:tc hMerge="1">
+                  <a:txBody>
+                    <a:bodyPr/>
+                    <a:lstStyle/>
+                    <a:p>
+                      <a:pPr latinLnBrk="1"/>
+                      <a:endParaRPr lang="ko-KR" altLang="en-US" dirty="0"/>
+                    </a:p>
+                  </a:txBody>
+                  <a:tcPr/>
+                </a:tc>
+                <a:tc>
+                  <a:txBody>
+                    <a:bodyPr/>
+                    <a:lstStyle/>
+                    <a:p>
+                      <a:pPr algn="ctr" latinLnBrk="1"/>
+                      <a:r>
+                        <a:rPr lang="en-US" altLang="ko-KR" sz="2400" dirty="0"/>
+                        <a:t>X</a:t>
+                      </a:r>
+                      <a:endParaRPr lang="ko-KR" altLang="en-US" sz="2400" dirty="0"/>
+                    </a:p>
+                  </a:txBody>
+                  <a:tcPr>
+                    <a:solidFill>
+                      <a:schemeClr val="accent2"/>
+                    </a:solidFill>
+                  </a:tcPr>
+                </a:tc>
+                <a:extLst>
+                  <a:ext uri="{0D108BD9-81ED-4DB2-BD59-A6C34878D82A}">
+                    <a16:rowId xmlns:a16="http://schemas.microsoft.com/office/drawing/2014/main" val="4229123801"/>
+                  </a:ext>
+                </a:extLst>
+              </a:tr>
+              <a:tr h="314502">
+                <a:tc>
+                  <a:txBody>
+                    <a:bodyPr/>
+                    <a:lstStyle/>
+                    <a:p>
+                      <a:pPr latinLnBrk="1">
+                        <a:lnSpc>
+                          <a:spcPct val="150000"/>
+                        </a:lnSpc>
+                      </a:pPr>
+                      <a:r>
+                        <a:rPr lang="ko-KR" altLang="en-US" dirty="0"/>
+                        <a:t>전체</a:t>
+                      </a:r>
+                      <a:r>
+                        <a:rPr lang="en-US" altLang="ko-KR" dirty="0"/>
+                        <a:t> (</a:t>
+                      </a:r>
+                      <a:r>
+                        <a:rPr lang="ko-KR" altLang="en-US" dirty="0"/>
+                        <a:t>카테고리</a:t>
+                      </a:r>
+                      <a:r>
+                        <a:rPr lang="en-US" altLang="ko-KR" dirty="0"/>
+                        <a:t>)</a:t>
+                      </a:r>
+                      <a:endParaRPr lang="ko-KR" altLang="en-US" dirty="0"/>
+                    </a:p>
+                  </a:txBody>
+                  <a:tcPr anchor="ctr">
+                    <a:solidFill>
+                      <a:schemeClr val="bg2"/>
+                    </a:solidFill>
+                  </a:tcPr>
+                </a:tc>
+                <a:tc>
+                  <a:txBody>
+                    <a:bodyPr/>
+                    <a:lstStyle/>
+                    <a:p>
+                      <a:pPr latinLnBrk="1">
+                        <a:lnSpc>
+                          <a:spcPct val="150000"/>
+                        </a:lnSpc>
+                      </a:pPr>
+                      <a:r>
+                        <a:rPr lang="ko-KR" altLang="en-US" dirty="0"/>
+                        <a:t>난이도</a:t>
+                      </a:r>
+                    </a:p>
+                  </a:txBody>
+                  <a:tcPr anchor="ctr">
+                    <a:solidFill>
+                      <a:schemeClr val="bg2"/>
+                    </a:solidFill>
+                  </a:tcPr>
+                </a:tc>
+                <a:tc rowSpan="4">
+                  <a:txBody>
+                    <a:bodyPr/>
+                    <a:lstStyle/>
+                    <a:p>
+                      <a:pPr latinLnBrk="1">
+                        <a:lnSpc>
+                          <a:spcPct val="150000"/>
+                        </a:lnSpc>
+                      </a:pPr>
+                      <a:endParaRPr lang="ko-KR" altLang="en-US" dirty="0">
+                        <a:solidFill>
+                          <a:srgbClr val="FF0000"/>
+                        </a:solidFill>
+                      </a:endParaRPr>
+                    </a:p>
+                  </a:txBody>
+                  <a:tcPr>
+                    <a:solidFill>
+                      <a:schemeClr val="tx2">
+                        <a:lumMod val="60000"/>
+                        <a:lumOff val="40000"/>
+                      </a:schemeClr>
+                    </a:solidFill>
+                  </a:tcPr>
+                </a:tc>
+                <a:tc rowSpan="18">
+                  <a:txBody>
+                    <a:bodyPr/>
+                    <a:lstStyle/>
+                    <a:p>
+                      <a:pPr marL="0" algn="l" defTabSz="914400" rtl="0" eaLnBrk="1" latinLnBrk="1" hangingPunct="1">
+                        <a:lnSpc>
+                          <a:spcPct val="150000"/>
+                        </a:lnSpc>
+                      </a:pPr>
+                      <a:endParaRPr lang="ko-KR" altLang="en-US" sz="1800" kern="1200" dirty="0">
+                        <a:solidFill>
+                          <a:srgbClr val="FF0000"/>
+                        </a:solidFill>
+                        <a:latin typeface="+mn-lt"/>
+                        <a:ea typeface="+mn-ea"/>
+                        <a:cs typeface="+mn-cs"/>
+                      </a:endParaRPr>
+                    </a:p>
+                  </a:txBody>
+                  <a:tcPr/>
+                </a:tc>
+                <a:tc rowSpan="18">
+                  <a:txBody>
+                    <a:bodyPr/>
+                    <a:lstStyle/>
+                    <a:p>
+                      <a:pPr marL="0" algn="l" defTabSz="914400" rtl="0" eaLnBrk="1" latinLnBrk="1" hangingPunct="1">
+                        <a:lnSpc>
+                          <a:spcPct val="150000"/>
+                        </a:lnSpc>
+                      </a:pPr>
+                      <a:endParaRPr lang="ko-KR" altLang="en-US" sz="1800" kern="1200" dirty="0">
+                        <a:solidFill>
+                          <a:srgbClr val="FF0000"/>
+                        </a:solidFill>
+                        <a:latin typeface="+mn-lt"/>
+                        <a:ea typeface="+mn-ea"/>
+                        <a:cs typeface="+mn-cs"/>
+                      </a:endParaRPr>
+                    </a:p>
+                  </a:txBody>
+                  <a:tcPr/>
+                </a:tc>
+                <a:tc rowSpan="18">
+                  <a:txBody>
+                    <a:bodyPr/>
+                    <a:lstStyle/>
+                    <a:p>
+                      <a:pPr marL="0" algn="l" defTabSz="914400" rtl="0" eaLnBrk="1" latinLnBrk="1" hangingPunct="1">
+                        <a:lnSpc>
+                          <a:spcPct val="150000"/>
+                        </a:lnSpc>
+                      </a:pPr>
+                      <a:endParaRPr lang="ko-KR" altLang="en-US" sz="1800" kern="1200" dirty="0">
+                        <a:solidFill>
+                          <a:srgbClr val="FF0000"/>
+                        </a:solidFill>
+                        <a:latin typeface="+mn-lt"/>
+                        <a:ea typeface="+mn-ea"/>
+                        <a:cs typeface="+mn-cs"/>
+                      </a:endParaRPr>
+                    </a:p>
+                  </a:txBody>
+                  <a:tcPr/>
+                </a:tc>
+                <a:tc rowSpan="2" gridSpan="2">
+                  <a:txBody>
+                    <a:bodyPr/>
+                    <a:lstStyle/>
+                    <a:p>
+                      <a:pPr algn="ctr" latinLnBrk="1"/>
+                      <a:r>
+                        <a:rPr lang="ko-KR" altLang="en-US" dirty="0"/>
+                        <a:t>레시피</a:t>
+                      </a:r>
+                      <a:endParaRPr lang="en-US" altLang="ko-KR" dirty="0"/>
+                    </a:p>
+                    <a:p>
+                      <a:pPr algn="ctr" latinLnBrk="1"/>
+                      <a:r>
+                        <a:rPr lang="ko-KR" altLang="en-US" dirty="0"/>
+                        <a:t>추가</a:t>
+                      </a:r>
+                    </a:p>
+                  </a:txBody>
+                  <a:tcPr>
+                    <a:solidFill>
+                      <a:schemeClr val="bg2">
+                        <a:lumMod val="75000"/>
+                      </a:schemeClr>
+                    </a:solidFill>
+                  </a:tcPr>
+                </a:tc>
+                <a:tc rowSpan="2" hMerge="1">
+                  <a:txBody>
+                    <a:bodyPr/>
+                    <a:lstStyle/>
+                    <a:p>
+                      <a:pPr latinLnBrk="1"/>
+                      <a:endParaRPr lang="ko-KR" altLang="en-US"/>
+                    </a:p>
+                  </a:txBody>
+                  <a:tcPr/>
+                </a:tc>
+                <a:extLst>
+                  <a:ext uri="{0D108BD9-81ED-4DB2-BD59-A6C34878D82A}">
+                    <a16:rowId xmlns:a16="http://schemas.microsoft.com/office/drawing/2014/main" val="3590228108"/>
+                  </a:ext>
+                </a:extLst>
+              </a:tr>
+              <a:tr h="501390">
+                <a:tc rowSpan="2">
+                  <a:txBody>
+                    <a:bodyPr/>
+                    <a:lstStyle/>
+                    <a:p>
+                      <a:pPr latinLnBrk="1">
+                        <a:lnSpc>
+                          <a:spcPct val="150000"/>
+                        </a:lnSpc>
+                      </a:pPr>
+                      <a:r>
+                        <a:rPr lang="ko-KR" altLang="en-US" dirty="0">
+                          <a:solidFill>
+                            <a:schemeClr val="tx1"/>
+                          </a:solidFill>
+                        </a:rPr>
+                        <a:t>라면</a:t>
+                      </a:r>
+                      <a:endParaRPr lang="en-US" altLang="ko-KR" dirty="0">
+                        <a:solidFill>
+                          <a:schemeClr val="tx1"/>
+                        </a:solidFill>
+                      </a:endParaRPr>
+                    </a:p>
+                  </a:txBody>
+                  <a:tcPr anchor="ctr">
+                    <a:solidFill>
+                      <a:schemeClr val="accent1">
+                        <a:lumMod val="20000"/>
+                        <a:lumOff val="80000"/>
+                      </a:schemeClr>
+                    </a:solidFill>
+                  </a:tcPr>
+                </a:tc>
+                <a:tc rowSpan="2">
+                  <a:txBody>
+                    <a:bodyPr/>
+                    <a:lstStyle/>
+                    <a:p>
+                      <a:pPr latinLnBrk="1">
+                        <a:lnSpc>
+                          <a:spcPct val="150000"/>
+                        </a:lnSpc>
+                      </a:pPr>
+                      <a:r>
+                        <a:rPr lang="ko-KR" altLang="en-US" dirty="0">
+                          <a:solidFill>
+                            <a:schemeClr val="tx1"/>
+                          </a:solidFill>
+                        </a:rPr>
+                        <a:t>★☆☆☆☆</a:t>
+                      </a:r>
+                      <a:endParaRPr lang="en-US" altLang="ko-KR" dirty="0">
+                        <a:solidFill>
+                          <a:schemeClr val="tx1"/>
+                        </a:solidFill>
+                      </a:endParaRPr>
+                    </a:p>
+                  </a:txBody>
+                  <a:tcPr anchor="ctr">
+                    <a:solidFill>
+                      <a:schemeClr val="accent1">
+                        <a:lumMod val="20000"/>
+                        <a:lumOff val="80000"/>
+                      </a:schemeClr>
+                    </a:solidFill>
+                  </a:tcPr>
+                </a:tc>
+                <a:tc vMerge="1">
+                  <a:txBody>
+                    <a:bodyPr/>
+                    <a:lstStyle/>
+                    <a:p>
+                      <a:pPr latinLnBrk="1"/>
+                      <a:endParaRPr lang="ko-KR" altLang="en-US"/>
+                    </a:p>
+                  </a:txBody>
+                  <a:tcPr/>
+                </a:tc>
+                <a:tc vMerge="1">
+                  <a:txBody>
+                    <a:bodyPr/>
+                    <a:lstStyle/>
+                    <a:p>
+                      <a:pPr latinLnBrk="1"/>
+                      <a:endParaRPr lang="ko-KR" altLang="en-US"/>
+                    </a:p>
+                  </a:txBody>
+                  <a:tcPr/>
+                </a:tc>
+                <a:tc vMerge="1">
+                  <a:txBody>
+                    <a:bodyPr/>
+                    <a:lstStyle/>
+                    <a:p>
+                      <a:pPr latinLnBrk="1"/>
+                      <a:endParaRPr lang="ko-KR" altLang="en-US"/>
+                    </a:p>
+                  </a:txBody>
+                  <a:tcPr/>
+                </a:tc>
+                <a:tc vMerge="1">
+                  <a:txBody>
+                    <a:bodyPr/>
+                    <a:lstStyle/>
+                    <a:p>
+                      <a:pPr latinLnBrk="1"/>
+                      <a:endParaRPr lang="ko-KR" altLang="en-US"/>
+                    </a:p>
+                  </a:txBody>
+                  <a:tcPr/>
+                </a:tc>
+                <a:tc gridSpan="2" vMerge="1">
+                  <a:txBody>
+                    <a:bodyPr/>
+                    <a:lstStyle/>
+                    <a:p>
+                      <a:pPr algn="ctr" latinLnBrk="1"/>
+                      <a:endParaRPr lang="ko-KR" altLang="en-US" dirty="0"/>
+                    </a:p>
+                  </a:txBody>
+                  <a:tcPr/>
+                </a:tc>
+                <a:tc hMerge="1" vMerge="1">
+                  <a:txBody>
+                    <a:bodyPr/>
+                    <a:lstStyle/>
+                    <a:p>
+                      <a:pPr latinLnBrk="1"/>
+                      <a:endParaRPr lang="ko-KR" altLang="en-US"/>
+                    </a:p>
+                  </a:txBody>
+                  <a:tcPr/>
+                </a:tc>
+                <a:extLst>
+                  <a:ext uri="{0D108BD9-81ED-4DB2-BD59-A6C34878D82A}">
+                    <a16:rowId xmlns:a16="http://schemas.microsoft.com/office/drawing/2014/main" val="3762347964"/>
+                  </a:ext>
+                </a:extLst>
+              </a:tr>
+              <a:tr h="0">
+                <a:tc vMerge="1">
+                  <a:txBody>
+                    <a:bodyPr/>
+                    <a:lstStyle/>
+                    <a:p>
+                      <a:pPr latinLnBrk="1"/>
+                      <a:endParaRPr lang="ko-KR" altLang="en-US" dirty="0"/>
+                    </a:p>
+                  </a:txBody>
+                  <a:tcPr/>
+                </a:tc>
+                <a:tc vMerge="1">
+                  <a:txBody>
+                    <a:bodyPr/>
+                    <a:lstStyle/>
+                    <a:p>
+                      <a:pPr latinLnBrk="1"/>
+                      <a:endParaRPr lang="ko-KR" altLang="en-US"/>
+                    </a:p>
+                  </a:txBody>
+                  <a:tcPr/>
+                </a:tc>
+                <a:tc vMerge="1">
+                  <a:txBody>
+                    <a:bodyPr/>
+                    <a:lstStyle/>
+                    <a:p>
+                      <a:pPr latinLnBrk="1"/>
+                      <a:endParaRPr lang="ko-KR" altLang="en-US"/>
+                    </a:p>
+                  </a:txBody>
+                  <a:tcPr/>
+                </a:tc>
+                <a:tc vMerge="1">
+                  <a:txBody>
+                    <a:bodyPr/>
+                    <a:lstStyle/>
+                    <a:p>
+                      <a:pPr latinLnBrk="1"/>
+                      <a:endParaRPr lang="ko-KR" altLang="en-US" dirty="0"/>
+                    </a:p>
+                  </a:txBody>
+                  <a:tcPr/>
+                </a:tc>
+                <a:tc vMerge="1">
+                  <a:txBody>
+                    <a:bodyPr/>
+                    <a:lstStyle/>
+                    <a:p>
+                      <a:pPr latinLnBrk="1"/>
+                      <a:endParaRPr lang="ko-KR" altLang="en-US"/>
+                    </a:p>
+                  </a:txBody>
+                  <a:tcPr/>
+                </a:tc>
+                <a:tc vMerge="1">
+                  <a:txBody>
+                    <a:bodyPr/>
+                    <a:lstStyle/>
+                    <a:p>
+                      <a:pPr latinLnBrk="1"/>
+                      <a:endParaRPr lang="ko-KR" altLang="en-US"/>
+                    </a:p>
+                  </a:txBody>
+                  <a:tcPr/>
+                </a:tc>
+                <a:tc rowSpan="4" gridSpan="2">
+                  <a:txBody>
+                    <a:bodyPr/>
+                    <a:lstStyle/>
+                    <a:p>
+                      <a:pPr algn="ctr" latinLnBrk="1"/>
+                      <a:endParaRPr lang="ko-KR" altLang="en-US" dirty="0"/>
+                    </a:p>
+                  </a:txBody>
+                  <a:tcPr>
+                    <a:solidFill>
+                      <a:schemeClr val="bg2">
+                        <a:lumMod val="75000"/>
+                      </a:schemeClr>
+                    </a:solidFill>
+                  </a:tcPr>
+                </a:tc>
+                <a:tc rowSpan="4" hMerge="1">
+                  <a:txBody>
+                    <a:bodyPr/>
+                    <a:lstStyle/>
+                    <a:p>
+                      <a:pPr latinLnBrk="1"/>
+                      <a:endParaRPr lang="ko-KR" altLang="en-US"/>
+                    </a:p>
+                  </a:txBody>
+                  <a:tcPr/>
+                </a:tc>
+                <a:extLst>
+                  <a:ext uri="{0D108BD9-81ED-4DB2-BD59-A6C34878D82A}">
+                    <a16:rowId xmlns:a16="http://schemas.microsoft.com/office/drawing/2014/main" val="2636208063"/>
+                  </a:ext>
+                </a:extLst>
+              </a:tr>
+              <a:tr h="398164">
+                <a:tc rowSpan="2">
+                  <a:txBody>
+                    <a:bodyPr/>
+                    <a:lstStyle/>
+                    <a:p>
+                      <a:pPr marL="0" marR="0" lvl="0" indent="0" algn="l" defTabSz="914400" rtl="0" eaLnBrk="1" fontAlgn="auto" latinLnBrk="1" hangingPunct="1">
+                        <a:lnSpc>
+                          <a:spcPct val="150000"/>
+                        </a:lnSpc>
+                        <a:spcBef>
+                          <a:spcPts val="0"/>
+                        </a:spcBef>
+                        <a:spcAft>
+                          <a:spcPts val="0"/>
+                        </a:spcAft>
+                        <a:buClrTx/>
+                        <a:buSzTx/>
+                        <a:buFontTx/>
+                        <a:buNone/>
+                        <a:tabLst/>
+                        <a:defRPr/>
+                      </a:pPr>
+                      <a:r>
+                        <a:rPr lang="ko-KR" altLang="en-US" dirty="0"/>
+                        <a:t>떡볶이</a:t>
+                      </a:r>
+                      <a:endParaRPr lang="en-US" altLang="ko-KR" dirty="0"/>
+                    </a:p>
+                  </a:txBody>
+                  <a:tcPr anchor="ctr">
+                    <a:solidFill>
+                      <a:schemeClr val="accent1">
+                        <a:lumMod val="20000"/>
+                        <a:lumOff val="80000"/>
+                      </a:schemeClr>
+                    </a:solidFill>
+                  </a:tcPr>
+                </a:tc>
+                <a:tc rowSpan="2">
+                  <a:txBody>
+                    <a:bodyPr/>
+                    <a:lstStyle/>
+                    <a:p>
+                      <a:pPr marL="0" marR="0" lvl="0" indent="0" algn="l" defTabSz="914400" rtl="0" eaLnBrk="1" fontAlgn="auto" latinLnBrk="1" hangingPunct="1">
+                        <a:lnSpc>
+                          <a:spcPct val="150000"/>
+                        </a:lnSpc>
+                        <a:spcBef>
+                          <a:spcPts val="0"/>
+                        </a:spcBef>
+                        <a:spcAft>
+                          <a:spcPts val="0"/>
+                        </a:spcAft>
+                        <a:buClrTx/>
+                        <a:buSzTx/>
+                        <a:buFontTx/>
+                        <a:buNone/>
+                        <a:tabLst/>
+                        <a:defRPr/>
+                      </a:pPr>
+                      <a:r>
+                        <a:rPr lang="ko-KR" altLang="en-US" dirty="0">
+                          <a:solidFill>
+                            <a:schemeClr val="tx1"/>
+                          </a:solidFill>
+                        </a:rPr>
+                        <a:t>★★☆☆☆</a:t>
+                      </a:r>
+                      <a:endParaRPr lang="en-US" altLang="ko-KR" dirty="0">
+                        <a:solidFill>
+                          <a:schemeClr val="tx1"/>
+                        </a:solidFill>
+                      </a:endParaRPr>
+                    </a:p>
+                  </a:txBody>
+                  <a:tcPr anchor="ctr">
+                    <a:solidFill>
+                      <a:schemeClr val="accent1">
+                        <a:lumMod val="20000"/>
+                        <a:lumOff val="80000"/>
+                      </a:schemeClr>
+                    </a:solidFill>
+                  </a:tcPr>
+                </a:tc>
+                <a:tc vMerge="1">
+                  <a:txBody>
+                    <a:bodyPr/>
+                    <a:lstStyle/>
+                    <a:p>
+                      <a:pPr latinLnBrk="1"/>
+                      <a:endParaRPr lang="ko-KR" altLang="en-US"/>
+                    </a:p>
+                  </a:txBody>
+                  <a:tcPr/>
+                </a:tc>
+                <a:tc vMerge="1">
+                  <a:txBody>
+                    <a:bodyPr/>
+                    <a:lstStyle/>
+                    <a:p>
+                      <a:pPr latinLnBrk="1"/>
+                      <a:endParaRPr lang="ko-KR" altLang="en-US"/>
+                    </a:p>
+                  </a:txBody>
+                  <a:tcPr/>
+                </a:tc>
+                <a:tc vMerge="1">
+                  <a:txBody>
+                    <a:bodyPr/>
+                    <a:lstStyle/>
+                    <a:p>
+                      <a:pPr latinLnBrk="1"/>
+                      <a:endParaRPr lang="ko-KR" altLang="en-US"/>
+                    </a:p>
+                  </a:txBody>
+                  <a:tcPr/>
+                </a:tc>
+                <a:tc vMerge="1">
+                  <a:txBody>
+                    <a:bodyPr/>
+                    <a:lstStyle/>
+                    <a:p>
+                      <a:pPr latinLnBrk="1"/>
+                      <a:endParaRPr lang="ko-KR" altLang="en-US"/>
+                    </a:p>
+                  </a:txBody>
+                  <a:tcPr/>
+                </a:tc>
+                <a:tc gridSpan="2" vMerge="1">
+                  <a:txBody>
+                    <a:bodyPr/>
+                    <a:lstStyle/>
+                    <a:p>
+                      <a:pPr latinLnBrk="1"/>
+                      <a:endParaRPr lang="ko-KR" altLang="en-US"/>
+                    </a:p>
+                  </a:txBody>
+                  <a:tcPr/>
+                </a:tc>
+                <a:tc hMerge="1" vMerge="1">
+                  <a:txBody>
+                    <a:bodyPr/>
+                    <a:lstStyle/>
+                    <a:p>
+                      <a:pPr latinLnBrk="1"/>
+                      <a:endParaRPr lang="ko-KR" altLang="en-US"/>
+                    </a:p>
+                  </a:txBody>
+                  <a:tcPr/>
+                </a:tc>
+                <a:extLst>
+                  <a:ext uri="{0D108BD9-81ED-4DB2-BD59-A6C34878D82A}">
+                    <a16:rowId xmlns:a16="http://schemas.microsoft.com/office/drawing/2014/main" val="575209386"/>
+                  </a:ext>
+                </a:extLst>
+              </a:tr>
+              <a:tr h="164586">
+                <a:tc vMerge="1">
+                  <a:txBody>
+                    <a:bodyPr/>
+                    <a:lstStyle/>
+                    <a:p>
+                      <a:pPr latinLnBrk="1"/>
+                      <a:endParaRPr lang="ko-KR" altLang="en-US"/>
+                    </a:p>
+                  </a:txBody>
+                  <a:tcPr/>
+                </a:tc>
+                <a:tc vMerge="1">
+                  <a:txBody>
+                    <a:bodyPr/>
+                    <a:lstStyle/>
+                    <a:p>
+                      <a:pPr latinLnBrk="1"/>
+                      <a:endParaRPr lang="ko-KR" altLang="en-US"/>
+                    </a:p>
+                  </a:txBody>
+                  <a:tcPr/>
+                </a:tc>
+                <a:tc rowSpan="13">
+                  <a:txBody>
+                    <a:bodyPr/>
+                    <a:lstStyle/>
+                    <a:p>
+                      <a:pPr latinLnBrk="1"/>
+                      <a:endParaRPr lang="ko-KR" altLang="en-US" dirty="0"/>
+                    </a:p>
+                  </a:txBody>
+                  <a:tcPr/>
+                </a:tc>
+                <a:tc vMerge="1">
+                  <a:txBody>
+                    <a:bodyPr/>
+                    <a:lstStyle/>
+                    <a:p>
+                      <a:pPr latinLnBrk="1"/>
+                      <a:endParaRPr lang="ko-KR" altLang="en-US"/>
+                    </a:p>
+                  </a:txBody>
+                  <a:tcPr/>
+                </a:tc>
+                <a:tc vMerge="1">
+                  <a:txBody>
+                    <a:bodyPr/>
+                    <a:lstStyle/>
+                    <a:p>
+                      <a:pPr latinLnBrk="1"/>
+                      <a:endParaRPr lang="ko-KR" altLang="en-US"/>
+                    </a:p>
+                  </a:txBody>
+                  <a:tcPr/>
+                </a:tc>
+                <a:tc vMerge="1">
+                  <a:txBody>
+                    <a:bodyPr/>
+                    <a:lstStyle/>
+                    <a:p>
+                      <a:pPr latinLnBrk="1"/>
+                      <a:endParaRPr lang="ko-KR" altLang="en-US"/>
+                    </a:p>
+                  </a:txBody>
+                  <a:tcPr/>
+                </a:tc>
+                <a:tc gridSpan="2" vMerge="1">
+                  <a:txBody>
+                    <a:bodyPr/>
+                    <a:lstStyle/>
+                    <a:p>
+                      <a:pPr latinLnBrk="1"/>
+                      <a:endParaRPr lang="ko-KR" altLang="en-US"/>
+                    </a:p>
+                  </a:txBody>
+                  <a:tcPr/>
+                </a:tc>
+                <a:tc hMerge="1" vMerge="1">
+                  <a:txBody>
+                    <a:bodyPr/>
+                    <a:lstStyle/>
+                    <a:p>
+                      <a:pPr latinLnBrk="1"/>
+                      <a:endParaRPr lang="ko-KR" altLang="en-US"/>
+                    </a:p>
+                  </a:txBody>
+                  <a:tcPr/>
+                </a:tc>
+                <a:extLst>
+                  <a:ext uri="{0D108BD9-81ED-4DB2-BD59-A6C34878D82A}">
+                    <a16:rowId xmlns:a16="http://schemas.microsoft.com/office/drawing/2014/main" val="2059773172"/>
+                  </a:ext>
+                </a:extLst>
+              </a:tr>
+              <a:tr h="191780">
+                <a:tc rowSpan="2">
+                  <a:txBody>
+                    <a:bodyPr/>
+                    <a:lstStyle/>
+                    <a:p>
+                      <a:pPr marL="0" marR="0" lvl="0" indent="0" algn="l" defTabSz="914400" rtl="0" eaLnBrk="1" fontAlgn="auto" latinLnBrk="1" hangingPunct="1">
+                        <a:lnSpc>
+                          <a:spcPct val="150000"/>
+                        </a:lnSpc>
+                        <a:spcBef>
+                          <a:spcPts val="0"/>
+                        </a:spcBef>
+                        <a:spcAft>
+                          <a:spcPts val="0"/>
+                        </a:spcAft>
+                        <a:buClrTx/>
+                        <a:buSzTx/>
+                        <a:buFontTx/>
+                        <a:buNone/>
+                        <a:tabLst/>
+                        <a:defRPr/>
+                      </a:pPr>
+                      <a:r>
+                        <a:rPr lang="ko-KR" altLang="en-US" dirty="0"/>
+                        <a:t>김치찌개</a:t>
+                      </a:r>
+                      <a:endParaRPr lang="en-US" altLang="ko-KR" dirty="0"/>
+                    </a:p>
+                  </a:txBody>
+                  <a:tcPr anchor="ctr">
+                    <a:solidFill>
+                      <a:schemeClr val="accent1">
+                        <a:lumMod val="20000"/>
+                        <a:lumOff val="80000"/>
+                      </a:schemeClr>
+                    </a:solidFill>
+                  </a:tcPr>
+                </a:tc>
+                <a:tc rowSpan="2">
+                  <a:txBody>
+                    <a:bodyPr/>
+                    <a:lstStyle/>
+                    <a:p>
+                      <a:pPr marL="0" marR="0" lvl="0" indent="0" algn="l" defTabSz="914400" rtl="0" eaLnBrk="1" fontAlgn="auto" latinLnBrk="1" hangingPunct="1">
+                        <a:lnSpc>
+                          <a:spcPct val="150000"/>
+                        </a:lnSpc>
+                        <a:spcBef>
+                          <a:spcPts val="0"/>
+                        </a:spcBef>
+                        <a:spcAft>
+                          <a:spcPts val="0"/>
+                        </a:spcAft>
+                        <a:buClrTx/>
+                        <a:buSzTx/>
+                        <a:buFontTx/>
+                        <a:buNone/>
+                        <a:tabLst/>
+                        <a:defRPr/>
+                      </a:pPr>
+                      <a:r>
+                        <a:rPr lang="ko-KR" altLang="en-US" dirty="0">
+                          <a:solidFill>
+                            <a:schemeClr val="tx1"/>
+                          </a:solidFill>
+                        </a:rPr>
+                        <a:t>★★☆☆☆</a:t>
+                      </a:r>
+                      <a:endParaRPr lang="en-US" altLang="ko-KR" dirty="0">
+                        <a:solidFill>
+                          <a:schemeClr val="tx1"/>
+                        </a:solidFill>
+                      </a:endParaRPr>
+                    </a:p>
+                  </a:txBody>
+                  <a:tcPr anchor="ctr">
+                    <a:solidFill>
+                      <a:schemeClr val="accent1">
+                        <a:lumMod val="20000"/>
+                        <a:lumOff val="80000"/>
+                      </a:schemeClr>
+                    </a:solidFill>
+                  </a:tcPr>
+                </a:tc>
+                <a:tc vMerge="1">
+                  <a:txBody>
+                    <a:bodyPr/>
+                    <a:lstStyle/>
+                    <a:p>
+                      <a:pPr latinLnBrk="1"/>
+                      <a:endParaRPr lang="ko-KR" altLang="en-US"/>
+                    </a:p>
+                  </a:txBody>
+                  <a:tcPr/>
+                </a:tc>
+                <a:tc vMerge="1">
+                  <a:txBody>
+                    <a:bodyPr/>
+                    <a:lstStyle/>
+                    <a:p>
+                      <a:pPr latinLnBrk="1"/>
+                      <a:endParaRPr lang="ko-KR" altLang="en-US"/>
+                    </a:p>
+                  </a:txBody>
+                  <a:tcPr/>
+                </a:tc>
+                <a:tc vMerge="1">
+                  <a:txBody>
+                    <a:bodyPr/>
+                    <a:lstStyle/>
+                    <a:p>
+                      <a:pPr latinLnBrk="1"/>
+                      <a:endParaRPr lang="ko-KR" altLang="en-US"/>
+                    </a:p>
+                  </a:txBody>
+                  <a:tcPr/>
+                </a:tc>
+                <a:tc vMerge="1">
+                  <a:txBody>
+                    <a:bodyPr/>
+                    <a:lstStyle/>
+                    <a:p>
+                      <a:pPr latinLnBrk="1"/>
+                      <a:endParaRPr lang="ko-KR" altLang="en-US"/>
+                    </a:p>
+                  </a:txBody>
+                  <a:tcPr/>
+                </a:tc>
+                <a:tc gridSpan="2" vMerge="1">
+                  <a:txBody>
+                    <a:bodyPr/>
+                    <a:lstStyle/>
+                    <a:p>
+                      <a:pPr latinLnBrk="1"/>
+                      <a:endParaRPr lang="ko-KR" altLang="en-US"/>
+                    </a:p>
+                  </a:txBody>
+                  <a:tcPr/>
+                </a:tc>
+                <a:tc hMerge="1" vMerge="1">
+                  <a:txBody>
+                    <a:bodyPr/>
+                    <a:lstStyle/>
+                    <a:p>
+                      <a:pPr latinLnBrk="1"/>
+                      <a:endParaRPr lang="ko-KR" altLang="en-US"/>
+                    </a:p>
+                  </a:txBody>
+                  <a:tcPr/>
+                </a:tc>
+                <a:extLst>
+                  <a:ext uri="{0D108BD9-81ED-4DB2-BD59-A6C34878D82A}">
+                    <a16:rowId xmlns:a16="http://schemas.microsoft.com/office/drawing/2014/main" val="836562875"/>
+                  </a:ext>
+                </a:extLst>
+              </a:tr>
+              <a:tr h="370971">
+                <a:tc vMerge="1">
+                  <a:txBody>
+                    <a:bodyPr/>
+                    <a:lstStyle/>
+                    <a:p>
+                      <a:pPr latinLnBrk="1"/>
+                      <a:endParaRPr lang="ko-KR" altLang="en-US" dirty="0"/>
+                    </a:p>
+                  </a:txBody>
+                  <a:tcPr/>
+                </a:tc>
+                <a:tc vMerge="1">
+                  <a:txBody>
+                    <a:bodyPr/>
+                    <a:lstStyle/>
+                    <a:p>
+                      <a:pPr latinLnBrk="1"/>
+                      <a:endParaRPr lang="ko-KR" altLang="en-US"/>
+                    </a:p>
+                  </a:txBody>
+                  <a:tcPr/>
+                </a:tc>
+                <a:tc vMerge="1">
+                  <a:txBody>
+                    <a:bodyPr/>
+                    <a:lstStyle/>
+                    <a:p>
+                      <a:pPr latinLnBrk="1"/>
+                      <a:endParaRPr lang="ko-KR" altLang="en-US"/>
+                    </a:p>
+                  </a:txBody>
+                  <a:tcPr/>
+                </a:tc>
+                <a:tc vMerge="1">
+                  <a:txBody>
+                    <a:bodyPr/>
+                    <a:lstStyle/>
+                    <a:p>
+                      <a:pPr latinLnBrk="1"/>
+                      <a:endParaRPr lang="ko-KR" altLang="en-US" dirty="0"/>
+                    </a:p>
+                  </a:txBody>
+                  <a:tcPr/>
+                </a:tc>
+                <a:tc vMerge="1">
+                  <a:txBody>
+                    <a:bodyPr/>
+                    <a:lstStyle/>
+                    <a:p>
+                      <a:pPr latinLnBrk="1"/>
+                      <a:endParaRPr lang="ko-KR" altLang="en-US"/>
+                    </a:p>
+                  </a:txBody>
+                  <a:tcPr/>
+                </a:tc>
+                <a:tc vMerge="1">
+                  <a:txBody>
+                    <a:bodyPr/>
+                    <a:lstStyle/>
+                    <a:p>
+                      <a:pPr latinLnBrk="1"/>
+                      <a:endParaRPr lang="ko-KR" altLang="en-US"/>
+                    </a:p>
+                  </a:txBody>
+                  <a:tcPr/>
+                </a:tc>
+                <a:tc rowSpan="2" gridSpan="2">
+                  <a:txBody>
+                    <a:bodyPr/>
+                    <a:lstStyle/>
+                    <a:p>
+                      <a:pPr algn="ctr" latinLnBrk="1"/>
+                      <a:endParaRPr lang="ko-KR" altLang="en-US" dirty="0"/>
+                    </a:p>
+                  </a:txBody>
+                  <a:tcPr>
+                    <a:solidFill>
+                      <a:schemeClr val="bg2">
+                        <a:lumMod val="75000"/>
+                      </a:schemeClr>
+                    </a:solidFill>
+                  </a:tcPr>
+                </a:tc>
+                <a:tc rowSpan="2" hMerge="1">
+                  <a:txBody>
+                    <a:bodyPr/>
+                    <a:lstStyle/>
+                    <a:p>
+                      <a:pPr latinLnBrk="1"/>
+                      <a:endParaRPr lang="ko-KR" altLang="en-US"/>
+                    </a:p>
+                  </a:txBody>
+                  <a:tcPr/>
+                </a:tc>
+                <a:extLst>
+                  <a:ext uri="{0D108BD9-81ED-4DB2-BD59-A6C34878D82A}">
+                    <a16:rowId xmlns:a16="http://schemas.microsoft.com/office/drawing/2014/main" val="656855790"/>
+                  </a:ext>
+                </a:extLst>
+              </a:tr>
+              <a:tr h="444921">
+                <a:tc rowSpan="2">
+                  <a:txBody>
+                    <a:bodyPr/>
+                    <a:lstStyle/>
+                    <a:p>
+                      <a:pPr marL="0" marR="0" lvl="0" indent="0" algn="l" defTabSz="914400" rtl="0" eaLnBrk="1" fontAlgn="auto" latinLnBrk="1" hangingPunct="1">
+                        <a:lnSpc>
+                          <a:spcPct val="150000"/>
+                        </a:lnSpc>
+                        <a:spcBef>
+                          <a:spcPts val="0"/>
+                        </a:spcBef>
+                        <a:spcAft>
+                          <a:spcPts val="0"/>
+                        </a:spcAft>
+                        <a:buClrTx/>
+                        <a:buSzTx/>
+                        <a:buFontTx/>
+                        <a:buNone/>
+                        <a:tabLst/>
+                        <a:defRPr/>
+                      </a:pPr>
+                      <a:r>
+                        <a:rPr lang="ko-KR" altLang="en-US" dirty="0"/>
+                        <a:t>된장찌개</a:t>
+                      </a:r>
+                      <a:endParaRPr lang="en-US" altLang="ko-KR" dirty="0"/>
+                    </a:p>
+                  </a:txBody>
+                  <a:tcPr anchor="ctr">
+                    <a:solidFill>
+                      <a:schemeClr val="accent1">
+                        <a:lumMod val="20000"/>
+                        <a:lumOff val="80000"/>
+                      </a:schemeClr>
+                    </a:solidFill>
+                  </a:tcPr>
+                </a:tc>
+                <a:tc rowSpan="2">
+                  <a:txBody>
+                    <a:bodyPr/>
+                    <a:lstStyle/>
+                    <a:p>
+                      <a:pPr marL="0" marR="0" lvl="0" indent="0" algn="l" defTabSz="914400" rtl="0" eaLnBrk="1" fontAlgn="auto" latinLnBrk="1" hangingPunct="1">
+                        <a:lnSpc>
+                          <a:spcPct val="150000"/>
+                        </a:lnSpc>
+                        <a:spcBef>
+                          <a:spcPts val="0"/>
+                        </a:spcBef>
+                        <a:spcAft>
+                          <a:spcPts val="0"/>
+                        </a:spcAft>
+                        <a:buClrTx/>
+                        <a:buSzTx/>
+                        <a:buFontTx/>
+                        <a:buNone/>
+                        <a:tabLst/>
+                        <a:defRPr/>
+                      </a:pPr>
+                      <a:r>
+                        <a:rPr lang="ko-KR" altLang="en-US" dirty="0">
+                          <a:solidFill>
+                            <a:schemeClr val="tx1"/>
+                          </a:solidFill>
+                        </a:rPr>
+                        <a:t>★★★☆☆</a:t>
+                      </a:r>
+                      <a:endParaRPr lang="en-US" altLang="ko-KR" dirty="0">
+                        <a:solidFill>
+                          <a:schemeClr val="tx1"/>
+                        </a:solidFill>
+                      </a:endParaRPr>
+                    </a:p>
+                  </a:txBody>
+                  <a:tcPr anchor="ctr">
+                    <a:solidFill>
+                      <a:schemeClr val="accent1">
+                        <a:lumMod val="20000"/>
+                        <a:lumOff val="80000"/>
+                      </a:schemeClr>
+                    </a:solidFill>
+                  </a:tcPr>
+                </a:tc>
+                <a:tc vMerge="1">
+                  <a:txBody>
+                    <a:bodyPr/>
+                    <a:lstStyle/>
+                    <a:p>
+                      <a:pPr latinLnBrk="1"/>
+                      <a:endParaRPr lang="ko-KR" altLang="en-US"/>
+                    </a:p>
+                  </a:txBody>
+                  <a:tcPr/>
+                </a:tc>
+                <a:tc vMerge="1">
+                  <a:txBody>
+                    <a:bodyPr/>
+                    <a:lstStyle/>
+                    <a:p>
+                      <a:pPr latinLnBrk="1"/>
+                      <a:endParaRPr lang="ko-KR" altLang="en-US"/>
+                    </a:p>
+                  </a:txBody>
+                  <a:tcPr/>
+                </a:tc>
+                <a:tc vMerge="1">
+                  <a:txBody>
+                    <a:bodyPr/>
+                    <a:lstStyle/>
+                    <a:p>
+                      <a:pPr latinLnBrk="1"/>
+                      <a:endParaRPr lang="ko-KR" altLang="en-US"/>
+                    </a:p>
+                  </a:txBody>
+                  <a:tcPr/>
+                </a:tc>
+                <a:tc vMerge="1">
+                  <a:txBody>
+                    <a:bodyPr/>
+                    <a:lstStyle/>
+                    <a:p>
+                      <a:pPr latinLnBrk="1"/>
+                      <a:endParaRPr lang="ko-KR" altLang="en-US"/>
+                    </a:p>
+                  </a:txBody>
+                  <a:tcPr/>
+                </a:tc>
+                <a:tc gridSpan="2" vMerge="1">
+                  <a:txBody>
+                    <a:bodyPr/>
+                    <a:lstStyle/>
+                    <a:p>
+                      <a:pPr latinLnBrk="1"/>
+                      <a:endParaRPr lang="ko-KR" altLang="en-US"/>
+                    </a:p>
+                  </a:txBody>
+                  <a:tcPr/>
+                </a:tc>
+                <a:tc hMerge="1" vMerge="1">
+                  <a:txBody>
+                    <a:bodyPr/>
+                    <a:lstStyle/>
+                    <a:p>
+                      <a:pPr latinLnBrk="1"/>
+                      <a:endParaRPr lang="ko-KR" altLang="en-US"/>
+                    </a:p>
+                  </a:txBody>
+                  <a:tcPr/>
+                </a:tc>
+                <a:extLst>
+                  <a:ext uri="{0D108BD9-81ED-4DB2-BD59-A6C34878D82A}">
+                    <a16:rowId xmlns:a16="http://schemas.microsoft.com/office/drawing/2014/main" val="1811804790"/>
+                  </a:ext>
+                </a:extLst>
+              </a:tr>
+              <a:tr h="117830">
+                <a:tc vMerge="1">
+                  <a:txBody>
+                    <a:bodyPr/>
+                    <a:lstStyle/>
+                    <a:p>
+                      <a:pPr latinLnBrk="1"/>
+                      <a:endParaRPr lang="ko-KR" altLang="en-US" dirty="0"/>
+                    </a:p>
+                  </a:txBody>
+                  <a:tcPr/>
+                </a:tc>
+                <a:tc vMerge="1">
+                  <a:txBody>
+                    <a:bodyPr/>
+                    <a:lstStyle/>
+                    <a:p>
+                      <a:pPr latinLnBrk="1"/>
+                      <a:endParaRPr lang="ko-KR" altLang="en-US"/>
+                    </a:p>
+                  </a:txBody>
+                  <a:tcPr/>
+                </a:tc>
+                <a:tc vMerge="1">
+                  <a:txBody>
+                    <a:bodyPr/>
+                    <a:lstStyle/>
+                    <a:p>
+                      <a:pPr latinLnBrk="1"/>
+                      <a:endParaRPr lang="ko-KR" altLang="en-US"/>
+                    </a:p>
+                  </a:txBody>
+                  <a:tcPr/>
+                </a:tc>
+                <a:tc vMerge="1">
+                  <a:txBody>
+                    <a:bodyPr/>
+                    <a:lstStyle/>
+                    <a:p>
+                      <a:pPr latinLnBrk="1"/>
+                      <a:endParaRPr lang="ko-KR" altLang="en-US" dirty="0"/>
+                    </a:p>
+                  </a:txBody>
+                  <a:tcPr/>
+                </a:tc>
+                <a:tc vMerge="1">
+                  <a:txBody>
+                    <a:bodyPr/>
+                    <a:lstStyle/>
+                    <a:p>
+                      <a:pPr latinLnBrk="1"/>
+                      <a:endParaRPr lang="ko-KR" altLang="en-US"/>
+                    </a:p>
+                  </a:txBody>
+                  <a:tcPr/>
+                </a:tc>
+                <a:tc vMerge="1">
+                  <a:txBody>
+                    <a:bodyPr/>
+                    <a:lstStyle/>
+                    <a:p>
+                      <a:pPr latinLnBrk="1"/>
+                      <a:endParaRPr lang="ko-KR" altLang="en-US"/>
+                    </a:p>
+                  </a:txBody>
+                  <a:tcPr/>
+                </a:tc>
+                <a:tc rowSpan="3" gridSpan="2">
+                  <a:txBody>
+                    <a:bodyPr/>
+                    <a:lstStyle/>
+                    <a:p>
+                      <a:pPr algn="ctr" latinLnBrk="1"/>
+                      <a:endParaRPr lang="ko-KR" altLang="en-US" dirty="0"/>
+                    </a:p>
+                  </a:txBody>
+                  <a:tcPr>
+                    <a:solidFill>
+                      <a:schemeClr val="bg2">
+                        <a:lumMod val="75000"/>
+                      </a:schemeClr>
+                    </a:solidFill>
+                  </a:tcPr>
+                </a:tc>
+                <a:tc rowSpan="3" hMerge="1">
+                  <a:txBody>
+                    <a:bodyPr/>
+                    <a:lstStyle/>
+                    <a:p>
+                      <a:pPr latinLnBrk="1"/>
+                      <a:endParaRPr lang="ko-KR" altLang="en-US"/>
+                    </a:p>
+                  </a:txBody>
+                  <a:tcPr/>
+                </a:tc>
+                <a:extLst>
+                  <a:ext uri="{0D108BD9-81ED-4DB2-BD59-A6C34878D82A}">
+                    <a16:rowId xmlns:a16="http://schemas.microsoft.com/office/drawing/2014/main" val="2426214985"/>
+                  </a:ext>
+                </a:extLst>
+              </a:tr>
+              <a:tr h="562750">
+                <a:tc>
+                  <a:txBody>
+                    <a:bodyPr/>
+                    <a:lstStyle/>
+                    <a:p>
+                      <a:pPr latinLnBrk="1">
+                        <a:lnSpc>
+                          <a:spcPct val="150000"/>
+                        </a:lnSpc>
+                      </a:pPr>
+                      <a:endParaRPr lang="en-US" altLang="ko-KR" dirty="0"/>
+                    </a:p>
+                  </a:txBody>
+                  <a:tcPr>
+                    <a:solidFill>
+                      <a:schemeClr val="accent1">
+                        <a:lumMod val="20000"/>
+                        <a:lumOff val="80000"/>
+                      </a:schemeClr>
+                    </a:solidFill>
+                  </a:tcPr>
+                </a:tc>
+                <a:tc>
+                  <a:txBody>
+                    <a:bodyPr/>
+                    <a:lstStyle/>
+                    <a:p>
+                      <a:pPr latinLnBrk="1">
+                        <a:lnSpc>
+                          <a:spcPct val="150000"/>
+                        </a:lnSpc>
+                      </a:pPr>
+                      <a:endParaRPr lang="en-US" altLang="ko-KR" dirty="0"/>
+                    </a:p>
+                  </a:txBody>
+                  <a:tcPr>
+                    <a:solidFill>
+                      <a:schemeClr val="accent1">
+                        <a:lumMod val="20000"/>
+                        <a:lumOff val="80000"/>
+                      </a:schemeClr>
+                    </a:solidFill>
+                  </a:tcPr>
+                </a:tc>
+                <a:tc vMerge="1">
+                  <a:txBody>
+                    <a:bodyPr/>
+                    <a:lstStyle/>
+                    <a:p>
+                      <a:pPr latinLnBrk="1"/>
+                      <a:endParaRPr lang="ko-KR" altLang="en-US"/>
+                    </a:p>
+                  </a:txBody>
+                  <a:tcPr/>
+                </a:tc>
+                <a:tc vMerge="1">
+                  <a:txBody>
+                    <a:bodyPr/>
+                    <a:lstStyle/>
+                    <a:p>
+                      <a:pPr latinLnBrk="1"/>
+                      <a:endParaRPr lang="ko-KR" altLang="en-US"/>
+                    </a:p>
+                  </a:txBody>
+                  <a:tcPr/>
+                </a:tc>
+                <a:tc vMerge="1">
+                  <a:txBody>
+                    <a:bodyPr/>
+                    <a:lstStyle/>
+                    <a:p>
+                      <a:pPr latinLnBrk="1"/>
+                      <a:endParaRPr lang="ko-KR" altLang="en-US"/>
+                    </a:p>
+                  </a:txBody>
+                  <a:tcPr/>
+                </a:tc>
+                <a:tc vMerge="1">
+                  <a:txBody>
+                    <a:bodyPr/>
+                    <a:lstStyle/>
+                    <a:p>
+                      <a:pPr latinLnBrk="1"/>
+                      <a:endParaRPr lang="ko-KR" altLang="en-US"/>
+                    </a:p>
+                  </a:txBody>
+                  <a:tcPr/>
+                </a:tc>
+                <a:tc gridSpan="2" vMerge="1">
+                  <a:txBody>
+                    <a:bodyPr/>
+                    <a:lstStyle/>
+                    <a:p>
+                      <a:pPr latinLnBrk="1"/>
+                      <a:endParaRPr lang="ko-KR" altLang="en-US"/>
+                    </a:p>
+                  </a:txBody>
+                  <a:tcPr/>
+                </a:tc>
+                <a:tc hMerge="1" vMerge="1">
+                  <a:txBody>
+                    <a:bodyPr/>
+                    <a:lstStyle/>
+                    <a:p>
+                      <a:pPr latinLnBrk="1"/>
+                      <a:endParaRPr lang="ko-KR" altLang="en-US"/>
+                    </a:p>
+                  </a:txBody>
+                  <a:tcPr/>
+                </a:tc>
+                <a:extLst>
+                  <a:ext uri="{0D108BD9-81ED-4DB2-BD59-A6C34878D82A}">
+                    <a16:rowId xmlns:a16="http://schemas.microsoft.com/office/drawing/2014/main" val="2003989368"/>
+                  </a:ext>
+                </a:extLst>
+              </a:tr>
+              <a:tr h="135313">
+                <a:tc rowSpan="2">
+                  <a:txBody>
+                    <a:bodyPr/>
+                    <a:lstStyle/>
+                    <a:p>
+                      <a:pPr latinLnBrk="1">
+                        <a:lnSpc>
+                          <a:spcPct val="150000"/>
+                        </a:lnSpc>
+                      </a:pPr>
+                      <a:endParaRPr lang="en-US" altLang="ko-KR" dirty="0"/>
+                    </a:p>
+                  </a:txBody>
+                  <a:tcPr>
+                    <a:solidFill>
+                      <a:schemeClr val="accent1">
+                        <a:lumMod val="20000"/>
+                        <a:lumOff val="80000"/>
+                      </a:schemeClr>
+                    </a:solidFill>
+                  </a:tcPr>
+                </a:tc>
+                <a:tc rowSpan="2">
+                  <a:txBody>
+                    <a:bodyPr/>
+                    <a:lstStyle/>
+                    <a:p>
+                      <a:pPr latinLnBrk="1">
+                        <a:lnSpc>
+                          <a:spcPct val="150000"/>
+                        </a:lnSpc>
+                      </a:pPr>
+                      <a:endParaRPr lang="en-US" altLang="ko-KR" dirty="0"/>
+                    </a:p>
+                  </a:txBody>
+                  <a:tcPr>
+                    <a:solidFill>
+                      <a:schemeClr val="accent1">
+                        <a:lumMod val="20000"/>
+                        <a:lumOff val="80000"/>
+                      </a:schemeClr>
+                    </a:solidFill>
+                  </a:tcPr>
+                </a:tc>
+                <a:tc vMerge="1">
+                  <a:txBody>
+                    <a:bodyPr/>
+                    <a:lstStyle/>
+                    <a:p>
+                      <a:pPr latinLnBrk="1"/>
+                      <a:endParaRPr lang="ko-KR" altLang="en-US"/>
+                    </a:p>
+                  </a:txBody>
+                  <a:tcPr/>
+                </a:tc>
+                <a:tc vMerge="1">
+                  <a:txBody>
+                    <a:bodyPr/>
+                    <a:lstStyle/>
+                    <a:p>
+                      <a:pPr latinLnBrk="1"/>
+                      <a:endParaRPr lang="ko-KR" altLang="en-US"/>
+                    </a:p>
+                  </a:txBody>
+                  <a:tcPr/>
+                </a:tc>
+                <a:tc vMerge="1">
+                  <a:txBody>
+                    <a:bodyPr/>
+                    <a:lstStyle/>
+                    <a:p>
+                      <a:pPr latinLnBrk="1"/>
+                      <a:endParaRPr lang="ko-KR" altLang="en-US"/>
+                    </a:p>
+                  </a:txBody>
+                  <a:tcPr/>
+                </a:tc>
+                <a:tc vMerge="1">
+                  <a:txBody>
+                    <a:bodyPr/>
+                    <a:lstStyle/>
+                    <a:p>
+                      <a:pPr latinLnBrk="1"/>
+                      <a:endParaRPr lang="ko-KR" altLang="en-US"/>
+                    </a:p>
+                  </a:txBody>
+                  <a:tcPr/>
+                </a:tc>
+                <a:tc gridSpan="2" vMerge="1">
+                  <a:txBody>
+                    <a:bodyPr/>
+                    <a:lstStyle/>
+                    <a:p>
+                      <a:pPr latinLnBrk="1"/>
+                      <a:endParaRPr lang="ko-KR" altLang="en-US"/>
+                    </a:p>
+                  </a:txBody>
+                  <a:tcPr/>
+                </a:tc>
+                <a:tc hMerge="1" vMerge="1">
+                  <a:txBody>
+                    <a:bodyPr/>
+                    <a:lstStyle/>
+                    <a:p>
+                      <a:pPr latinLnBrk="1"/>
+                      <a:endParaRPr lang="ko-KR" altLang="en-US"/>
+                    </a:p>
+                  </a:txBody>
+                  <a:tcPr/>
+                </a:tc>
+                <a:extLst>
+                  <a:ext uri="{0D108BD9-81ED-4DB2-BD59-A6C34878D82A}">
+                    <a16:rowId xmlns:a16="http://schemas.microsoft.com/office/drawing/2014/main" val="3612927768"/>
+                  </a:ext>
+                </a:extLst>
+              </a:tr>
+              <a:tr h="427438">
+                <a:tc vMerge="1">
+                  <a:txBody>
+                    <a:bodyPr/>
+                    <a:lstStyle/>
+                    <a:p>
+                      <a:pPr latinLnBrk="1"/>
+                      <a:endParaRPr lang="ko-KR" altLang="en-US"/>
+                    </a:p>
+                  </a:txBody>
+                  <a:tcPr/>
+                </a:tc>
+                <a:tc vMerge="1">
+                  <a:txBody>
+                    <a:bodyPr/>
+                    <a:lstStyle/>
+                    <a:p>
+                      <a:pPr latinLnBrk="1"/>
+                      <a:endParaRPr lang="ko-KR" altLang="en-US"/>
+                    </a:p>
+                  </a:txBody>
+                  <a:tcPr/>
+                </a:tc>
+                <a:tc vMerge="1">
+                  <a:txBody>
+                    <a:bodyPr/>
+                    <a:lstStyle/>
+                    <a:p>
+                      <a:pPr latinLnBrk="1"/>
+                      <a:endParaRPr lang="ko-KR" altLang="en-US"/>
+                    </a:p>
+                  </a:txBody>
+                  <a:tcPr/>
+                </a:tc>
+                <a:tc vMerge="1">
+                  <a:txBody>
+                    <a:bodyPr/>
+                    <a:lstStyle/>
+                    <a:p>
+                      <a:pPr latinLnBrk="1"/>
+                      <a:endParaRPr lang="ko-KR" altLang="en-US" dirty="0"/>
+                    </a:p>
+                  </a:txBody>
+                  <a:tcPr/>
+                </a:tc>
+                <a:tc vMerge="1">
+                  <a:txBody>
+                    <a:bodyPr/>
+                    <a:lstStyle/>
+                    <a:p>
+                      <a:pPr latinLnBrk="1"/>
+                      <a:endParaRPr lang="ko-KR" altLang="en-US"/>
+                    </a:p>
+                  </a:txBody>
+                  <a:tcPr/>
+                </a:tc>
+                <a:tc vMerge="1">
+                  <a:txBody>
+                    <a:bodyPr/>
+                    <a:lstStyle/>
+                    <a:p>
+                      <a:pPr latinLnBrk="1"/>
+                      <a:endParaRPr lang="ko-KR" altLang="en-US"/>
+                    </a:p>
+                  </a:txBody>
+                  <a:tcPr/>
+                </a:tc>
+                <a:tc rowSpan="2" gridSpan="2">
+                  <a:txBody>
+                    <a:bodyPr/>
+                    <a:lstStyle/>
+                    <a:p>
+                      <a:pPr algn="ctr" latinLnBrk="1"/>
+                      <a:endParaRPr lang="ko-KR" altLang="en-US" dirty="0"/>
+                    </a:p>
+                  </a:txBody>
+                  <a:tcPr>
+                    <a:solidFill>
+                      <a:schemeClr val="bg2">
+                        <a:lumMod val="75000"/>
+                      </a:schemeClr>
+                    </a:solidFill>
+                  </a:tcPr>
+                </a:tc>
+                <a:tc rowSpan="2" hMerge="1">
+                  <a:txBody>
+                    <a:bodyPr/>
+                    <a:lstStyle/>
+                    <a:p>
+                      <a:pPr latinLnBrk="1"/>
+                      <a:endParaRPr lang="ko-KR" altLang="en-US"/>
+                    </a:p>
+                  </a:txBody>
+                  <a:tcPr/>
+                </a:tc>
+                <a:extLst>
+                  <a:ext uri="{0D108BD9-81ED-4DB2-BD59-A6C34878D82A}">
+                    <a16:rowId xmlns:a16="http://schemas.microsoft.com/office/drawing/2014/main" val="607002115"/>
+                  </a:ext>
+                </a:extLst>
+              </a:tr>
+              <a:tr h="388454">
+                <a:tc rowSpan="2">
+                  <a:txBody>
+                    <a:bodyPr/>
+                    <a:lstStyle/>
+                    <a:p>
+                      <a:pPr latinLnBrk="1">
+                        <a:lnSpc>
+                          <a:spcPct val="150000"/>
+                        </a:lnSpc>
+                      </a:pPr>
+                      <a:endParaRPr lang="en-US" altLang="ko-KR" dirty="0"/>
+                    </a:p>
+                  </a:txBody>
+                  <a:tcPr>
+                    <a:solidFill>
+                      <a:schemeClr val="accent1">
+                        <a:lumMod val="20000"/>
+                        <a:lumOff val="80000"/>
+                      </a:schemeClr>
+                    </a:solidFill>
+                  </a:tcPr>
+                </a:tc>
+                <a:tc rowSpan="2">
+                  <a:txBody>
+                    <a:bodyPr/>
+                    <a:lstStyle/>
+                    <a:p>
+                      <a:pPr latinLnBrk="1">
+                        <a:lnSpc>
+                          <a:spcPct val="150000"/>
+                        </a:lnSpc>
+                      </a:pPr>
+                      <a:endParaRPr lang="en-US" altLang="ko-KR" dirty="0"/>
+                    </a:p>
+                  </a:txBody>
+                  <a:tcPr>
+                    <a:solidFill>
+                      <a:schemeClr val="accent1">
+                        <a:lumMod val="20000"/>
+                        <a:lumOff val="80000"/>
+                      </a:schemeClr>
+                    </a:solidFill>
+                  </a:tcPr>
+                </a:tc>
+                <a:tc vMerge="1">
+                  <a:txBody>
+                    <a:bodyPr/>
+                    <a:lstStyle/>
+                    <a:p>
+                      <a:pPr latinLnBrk="1"/>
+                      <a:endParaRPr lang="ko-KR" altLang="en-US"/>
+                    </a:p>
+                  </a:txBody>
+                  <a:tcPr/>
+                </a:tc>
+                <a:tc vMerge="1">
+                  <a:txBody>
+                    <a:bodyPr/>
+                    <a:lstStyle/>
+                    <a:p>
+                      <a:pPr latinLnBrk="1"/>
+                      <a:endParaRPr lang="ko-KR" altLang="en-US"/>
+                    </a:p>
+                  </a:txBody>
+                  <a:tcPr/>
+                </a:tc>
+                <a:tc vMerge="1">
+                  <a:txBody>
+                    <a:bodyPr/>
+                    <a:lstStyle/>
+                    <a:p>
+                      <a:pPr latinLnBrk="1"/>
+                      <a:endParaRPr lang="ko-KR" altLang="en-US"/>
+                    </a:p>
+                  </a:txBody>
+                  <a:tcPr/>
+                </a:tc>
+                <a:tc vMerge="1">
+                  <a:txBody>
+                    <a:bodyPr/>
+                    <a:lstStyle/>
+                    <a:p>
+                      <a:pPr latinLnBrk="1"/>
+                      <a:endParaRPr lang="ko-KR" altLang="en-US"/>
+                    </a:p>
+                  </a:txBody>
+                  <a:tcPr/>
+                </a:tc>
+                <a:tc gridSpan="2" vMerge="1">
+                  <a:txBody>
+                    <a:bodyPr/>
+                    <a:lstStyle/>
+                    <a:p>
+                      <a:pPr latinLnBrk="1"/>
+                      <a:endParaRPr lang="ko-KR" altLang="en-US"/>
+                    </a:p>
+                  </a:txBody>
+                  <a:tcPr/>
+                </a:tc>
+                <a:tc hMerge="1" vMerge="1">
+                  <a:txBody>
+                    <a:bodyPr/>
+                    <a:lstStyle/>
+                    <a:p>
+                      <a:pPr latinLnBrk="1"/>
+                      <a:endParaRPr lang="ko-KR" altLang="en-US"/>
+                    </a:p>
+                  </a:txBody>
+                  <a:tcPr/>
+                </a:tc>
+                <a:extLst>
+                  <a:ext uri="{0D108BD9-81ED-4DB2-BD59-A6C34878D82A}">
+                    <a16:rowId xmlns:a16="http://schemas.microsoft.com/office/drawing/2014/main" val="2094124287"/>
+                  </a:ext>
+                </a:extLst>
+              </a:tr>
+              <a:tr h="174297">
+                <a:tc vMerge="1">
+                  <a:txBody>
+                    <a:bodyPr/>
+                    <a:lstStyle/>
+                    <a:p>
+                      <a:pPr latinLnBrk="1"/>
+                      <a:endParaRPr lang="ko-KR" altLang="en-US"/>
+                    </a:p>
+                  </a:txBody>
+                  <a:tcPr/>
+                </a:tc>
+                <a:tc vMerge="1">
+                  <a:txBody>
+                    <a:bodyPr/>
+                    <a:lstStyle/>
+                    <a:p>
+                      <a:pPr latinLnBrk="1"/>
+                      <a:endParaRPr lang="ko-KR" altLang="en-US"/>
+                    </a:p>
+                  </a:txBody>
+                  <a:tcPr/>
+                </a:tc>
+                <a:tc vMerge="1">
+                  <a:txBody>
+                    <a:bodyPr/>
+                    <a:lstStyle/>
+                    <a:p>
+                      <a:pPr latinLnBrk="1"/>
+                      <a:endParaRPr lang="ko-KR" altLang="en-US"/>
+                    </a:p>
+                  </a:txBody>
+                  <a:tcPr/>
+                </a:tc>
+                <a:tc vMerge="1">
+                  <a:txBody>
+                    <a:bodyPr/>
+                    <a:lstStyle/>
+                    <a:p>
+                      <a:pPr latinLnBrk="1"/>
+                      <a:endParaRPr lang="ko-KR" altLang="en-US" dirty="0"/>
+                    </a:p>
+                  </a:txBody>
+                  <a:tcPr/>
+                </a:tc>
+                <a:tc vMerge="1">
+                  <a:txBody>
+                    <a:bodyPr/>
+                    <a:lstStyle/>
+                    <a:p>
+                      <a:pPr latinLnBrk="1"/>
+                      <a:endParaRPr lang="ko-KR" altLang="en-US"/>
+                    </a:p>
+                  </a:txBody>
+                  <a:tcPr/>
+                </a:tc>
+                <a:tc vMerge="1">
+                  <a:txBody>
+                    <a:bodyPr/>
+                    <a:lstStyle/>
+                    <a:p>
+                      <a:pPr latinLnBrk="1"/>
+                      <a:endParaRPr lang="ko-KR" altLang="en-US"/>
+                    </a:p>
+                  </a:txBody>
+                  <a:tcPr/>
+                </a:tc>
+                <a:tc rowSpan="3" gridSpan="2">
+                  <a:txBody>
+                    <a:bodyPr/>
+                    <a:lstStyle/>
+                    <a:p>
+                      <a:pPr algn="ctr" latinLnBrk="1"/>
+                      <a:endParaRPr lang="ko-KR" altLang="en-US" dirty="0"/>
+                    </a:p>
+                  </a:txBody>
+                  <a:tcPr>
+                    <a:solidFill>
+                      <a:schemeClr val="bg2">
+                        <a:lumMod val="75000"/>
+                      </a:schemeClr>
+                    </a:solidFill>
+                  </a:tcPr>
+                </a:tc>
+                <a:tc rowSpan="3" hMerge="1">
+                  <a:txBody>
+                    <a:bodyPr/>
+                    <a:lstStyle/>
+                    <a:p>
+                      <a:pPr latinLnBrk="1"/>
+                      <a:endParaRPr lang="ko-KR" altLang="en-US" dirty="0"/>
+                    </a:p>
+                  </a:txBody>
+                  <a:tcPr/>
+                </a:tc>
+                <a:extLst>
+                  <a:ext uri="{0D108BD9-81ED-4DB2-BD59-A6C34878D82A}">
+                    <a16:rowId xmlns:a16="http://schemas.microsoft.com/office/drawing/2014/main" val="2650881636"/>
+                  </a:ext>
+                </a:extLst>
+              </a:tr>
+              <a:tr h="562750">
+                <a:tc>
+                  <a:txBody>
+                    <a:bodyPr/>
+                    <a:lstStyle/>
+                    <a:p>
+                      <a:pPr latinLnBrk="1">
+                        <a:lnSpc>
+                          <a:spcPct val="150000"/>
+                        </a:lnSpc>
+                      </a:pPr>
+                      <a:endParaRPr lang="en-US" altLang="ko-KR" dirty="0"/>
+                    </a:p>
+                  </a:txBody>
+                  <a:tcPr>
+                    <a:solidFill>
+                      <a:schemeClr val="accent1">
+                        <a:lumMod val="20000"/>
+                        <a:lumOff val="80000"/>
+                      </a:schemeClr>
+                    </a:solidFill>
+                  </a:tcPr>
+                </a:tc>
+                <a:tc>
+                  <a:txBody>
+                    <a:bodyPr/>
+                    <a:lstStyle/>
+                    <a:p>
+                      <a:pPr latinLnBrk="1">
+                        <a:lnSpc>
+                          <a:spcPct val="150000"/>
+                        </a:lnSpc>
+                      </a:pPr>
+                      <a:endParaRPr lang="en-US" altLang="ko-KR" dirty="0"/>
+                    </a:p>
+                  </a:txBody>
+                  <a:tcPr>
+                    <a:solidFill>
+                      <a:schemeClr val="accent1">
+                        <a:lumMod val="20000"/>
+                        <a:lumOff val="80000"/>
+                      </a:schemeClr>
+                    </a:solidFill>
+                  </a:tcPr>
+                </a:tc>
+                <a:tc vMerge="1">
+                  <a:txBody>
+                    <a:bodyPr/>
+                    <a:lstStyle/>
+                    <a:p>
+                      <a:pPr latinLnBrk="1"/>
+                      <a:endParaRPr lang="ko-KR" altLang="en-US"/>
+                    </a:p>
+                  </a:txBody>
+                  <a:tcPr/>
+                </a:tc>
+                <a:tc vMerge="1">
+                  <a:txBody>
+                    <a:bodyPr/>
+                    <a:lstStyle/>
+                    <a:p>
+                      <a:pPr latinLnBrk="1"/>
+                      <a:endParaRPr lang="ko-KR" altLang="en-US"/>
+                    </a:p>
+                  </a:txBody>
+                  <a:tcPr/>
+                </a:tc>
+                <a:tc vMerge="1">
+                  <a:txBody>
+                    <a:bodyPr/>
+                    <a:lstStyle/>
+                    <a:p>
+                      <a:pPr latinLnBrk="1"/>
+                      <a:endParaRPr lang="ko-KR" altLang="en-US"/>
+                    </a:p>
+                  </a:txBody>
+                  <a:tcPr/>
+                </a:tc>
+                <a:tc vMerge="1">
+                  <a:txBody>
+                    <a:bodyPr/>
+                    <a:lstStyle/>
+                    <a:p>
+                      <a:pPr latinLnBrk="1"/>
+                      <a:endParaRPr lang="ko-KR" altLang="en-US"/>
+                    </a:p>
+                  </a:txBody>
+                  <a:tcPr/>
+                </a:tc>
+                <a:tc gridSpan="2" vMerge="1">
+                  <a:txBody>
+                    <a:bodyPr/>
+                    <a:lstStyle/>
+                    <a:p>
+                      <a:pPr latinLnBrk="1"/>
+                      <a:endParaRPr lang="ko-KR" altLang="en-US"/>
+                    </a:p>
+                  </a:txBody>
+                  <a:tcPr/>
+                </a:tc>
+                <a:tc hMerge="1" vMerge="1">
+                  <a:txBody>
+                    <a:bodyPr/>
+                    <a:lstStyle/>
+                    <a:p>
+                      <a:pPr latinLnBrk="1"/>
+                      <a:endParaRPr lang="ko-KR" altLang="en-US"/>
+                    </a:p>
+                  </a:txBody>
+                  <a:tcPr/>
+                </a:tc>
+                <a:extLst>
+                  <a:ext uri="{0D108BD9-81ED-4DB2-BD59-A6C34878D82A}">
+                    <a16:rowId xmlns:a16="http://schemas.microsoft.com/office/drawing/2014/main" val="3645143921"/>
+                  </a:ext>
+                </a:extLst>
+              </a:tr>
+              <a:tr h="0">
+                <a:tc rowSpan="2">
+                  <a:txBody>
+                    <a:bodyPr/>
+                    <a:lstStyle/>
+                    <a:p>
+                      <a:pPr latinLnBrk="1">
+                        <a:lnSpc>
+                          <a:spcPct val="150000"/>
+                        </a:lnSpc>
+                      </a:pPr>
+                      <a:endParaRPr lang="en-US" altLang="ko-KR" dirty="0"/>
+                    </a:p>
+                  </a:txBody>
+                  <a:tcPr>
+                    <a:solidFill>
+                      <a:schemeClr val="accent1">
+                        <a:lumMod val="20000"/>
+                        <a:lumOff val="80000"/>
+                      </a:schemeClr>
+                    </a:solidFill>
+                  </a:tcPr>
+                </a:tc>
+                <a:tc rowSpan="2">
+                  <a:txBody>
+                    <a:bodyPr/>
+                    <a:lstStyle/>
+                    <a:p>
+                      <a:pPr latinLnBrk="1">
+                        <a:lnSpc>
+                          <a:spcPct val="150000"/>
+                        </a:lnSpc>
+                      </a:pPr>
+                      <a:endParaRPr lang="en-US" altLang="ko-KR" dirty="0"/>
+                    </a:p>
+                  </a:txBody>
+                  <a:tcPr>
+                    <a:solidFill>
+                      <a:schemeClr val="accent1">
+                        <a:lumMod val="20000"/>
+                        <a:lumOff val="80000"/>
+                      </a:schemeClr>
+                    </a:solidFill>
+                  </a:tcPr>
+                </a:tc>
+                <a:tc vMerge="1">
+                  <a:txBody>
+                    <a:bodyPr/>
+                    <a:lstStyle/>
+                    <a:p>
+                      <a:pPr latinLnBrk="1"/>
+                      <a:endParaRPr lang="ko-KR" altLang="en-US"/>
+                    </a:p>
+                  </a:txBody>
+                  <a:tcPr/>
+                </a:tc>
+                <a:tc vMerge="1">
+                  <a:txBody>
+                    <a:bodyPr/>
+                    <a:lstStyle/>
+                    <a:p>
+                      <a:pPr latinLnBrk="1"/>
+                      <a:endParaRPr lang="ko-KR" altLang="en-US"/>
+                    </a:p>
+                  </a:txBody>
+                  <a:tcPr/>
+                </a:tc>
+                <a:tc vMerge="1">
+                  <a:txBody>
+                    <a:bodyPr/>
+                    <a:lstStyle/>
+                    <a:p>
+                      <a:pPr latinLnBrk="1"/>
+                      <a:endParaRPr lang="ko-KR" altLang="en-US"/>
+                    </a:p>
+                  </a:txBody>
+                  <a:tcPr/>
+                </a:tc>
+                <a:tc vMerge="1">
+                  <a:txBody>
+                    <a:bodyPr/>
+                    <a:lstStyle/>
+                    <a:p>
+                      <a:pPr latinLnBrk="1"/>
+                      <a:endParaRPr lang="ko-KR" altLang="en-US"/>
+                    </a:p>
+                  </a:txBody>
+                  <a:tcPr/>
+                </a:tc>
+                <a:tc gridSpan="2" vMerge="1">
+                  <a:txBody>
+                    <a:bodyPr/>
+                    <a:lstStyle/>
+                    <a:p>
+                      <a:pPr latinLnBrk="1"/>
+                      <a:endParaRPr lang="ko-KR" altLang="en-US"/>
+                    </a:p>
+                  </a:txBody>
+                  <a:tcPr/>
+                </a:tc>
+                <a:tc hMerge="1" vMerge="1">
+                  <a:txBody>
+                    <a:bodyPr/>
+                    <a:lstStyle/>
+                    <a:p>
+                      <a:pPr latinLnBrk="1"/>
+                      <a:endParaRPr lang="ko-KR" altLang="en-US"/>
+                    </a:p>
+                  </a:txBody>
+                  <a:tcPr/>
+                </a:tc>
+                <a:extLst>
+                  <a:ext uri="{0D108BD9-81ED-4DB2-BD59-A6C34878D82A}">
+                    <a16:rowId xmlns:a16="http://schemas.microsoft.com/office/drawing/2014/main" val="1485635325"/>
+                  </a:ext>
+                </a:extLst>
+              </a:tr>
+              <a:tr h="483906">
+                <a:tc vMerge="1">
+                  <a:txBody>
+                    <a:bodyPr/>
+                    <a:lstStyle/>
+                    <a:p>
+                      <a:pPr latinLnBrk="1"/>
+                      <a:endParaRPr lang="ko-KR" altLang="en-US"/>
+                    </a:p>
+                  </a:txBody>
+                  <a:tcPr/>
+                </a:tc>
+                <a:tc vMerge="1">
+                  <a:txBody>
+                    <a:bodyPr/>
+                    <a:lstStyle/>
+                    <a:p>
+                      <a:pPr latinLnBrk="1"/>
+                      <a:endParaRPr lang="ko-KR" altLang="en-US"/>
+                    </a:p>
+                  </a:txBody>
+                  <a:tcPr/>
+                </a:tc>
+                <a:tc vMerge="1">
+                  <a:txBody>
+                    <a:bodyPr/>
+                    <a:lstStyle/>
+                    <a:p>
+                      <a:pPr latinLnBrk="1"/>
+                      <a:endParaRPr lang="ko-KR" altLang="en-US"/>
+                    </a:p>
+                  </a:txBody>
+                  <a:tcPr/>
+                </a:tc>
+                <a:tc vMerge="1">
+                  <a:txBody>
+                    <a:bodyPr/>
+                    <a:lstStyle/>
+                    <a:p>
+                      <a:pPr latinLnBrk="1"/>
+                      <a:endParaRPr lang="ko-KR" altLang="en-US" dirty="0"/>
+                    </a:p>
+                  </a:txBody>
+                  <a:tcPr/>
+                </a:tc>
+                <a:tc vMerge="1">
+                  <a:txBody>
+                    <a:bodyPr/>
+                    <a:lstStyle/>
+                    <a:p>
+                      <a:pPr latinLnBrk="1"/>
+                      <a:endParaRPr lang="ko-KR" altLang="en-US"/>
+                    </a:p>
+                  </a:txBody>
+                  <a:tcPr/>
+                </a:tc>
+                <a:tc vMerge="1">
+                  <a:txBody>
+                    <a:bodyPr/>
+                    <a:lstStyle/>
+                    <a:p>
+                      <a:pPr latinLnBrk="1"/>
+                      <a:endParaRPr lang="ko-KR" altLang="en-US"/>
+                    </a:p>
+                  </a:txBody>
+                  <a:tcPr/>
+                </a:tc>
+                <a:tc rowSpan="2" gridSpan="2">
+                  <a:txBody>
+                    <a:bodyPr/>
+                    <a:lstStyle/>
+                    <a:p>
+                      <a:pPr algn="ctr" latinLnBrk="1"/>
+                      <a:endParaRPr lang="ko-KR" altLang="en-US" dirty="0"/>
+                    </a:p>
+                  </a:txBody>
+                  <a:tcPr>
+                    <a:solidFill>
+                      <a:schemeClr val="bg2">
+                        <a:lumMod val="75000"/>
+                      </a:schemeClr>
+                    </a:solidFill>
+                  </a:tcPr>
+                </a:tc>
+                <a:tc rowSpan="2" hMerge="1">
+                  <a:txBody>
+                    <a:bodyPr/>
+                    <a:lstStyle/>
+                    <a:p>
+                      <a:pPr latinLnBrk="1"/>
+                      <a:endParaRPr lang="ko-KR" altLang="en-US" dirty="0"/>
+                    </a:p>
+                  </a:txBody>
+                  <a:tcPr/>
+                </a:tc>
+                <a:extLst>
+                  <a:ext uri="{0D108BD9-81ED-4DB2-BD59-A6C34878D82A}">
+                    <a16:rowId xmlns:a16="http://schemas.microsoft.com/office/drawing/2014/main" val="3158932184"/>
+                  </a:ext>
+                </a:extLst>
+              </a:tr>
+              <a:tr h="482032">
+                <a:tc gridSpan="3">
+                  <a:txBody>
+                    <a:bodyPr/>
+                    <a:lstStyle/>
+                    <a:p>
+                      <a:pPr algn="ctr" latinLnBrk="1"/>
+                      <a:r>
+                        <a:rPr lang="ko-KR" altLang="en-US" dirty="0"/>
+                        <a:t>검색</a:t>
+                      </a:r>
+                    </a:p>
+                  </a:txBody>
+                  <a:tcPr>
+                    <a:solidFill>
+                      <a:schemeClr val="bg1">
+                        <a:lumMod val="85000"/>
+                      </a:schemeClr>
+                    </a:solidFill>
+                  </a:tcPr>
+                </a:tc>
+                <a:tc hMerge="1">
+                  <a:txBody>
+                    <a:bodyPr/>
+                    <a:lstStyle/>
+                    <a:p>
+                      <a:pPr latinLnBrk="1"/>
+                      <a:endParaRPr lang="ko-KR" altLang="en-US"/>
+                    </a:p>
+                  </a:txBody>
+                  <a:tcPr/>
+                </a:tc>
+                <a:tc hMerge="1">
+                  <a:txBody>
+                    <a:bodyPr/>
+                    <a:lstStyle/>
+                    <a:p>
+                      <a:pPr latinLnBrk="1"/>
+                      <a:endParaRPr lang="ko-KR" altLang="en-US"/>
+                    </a:p>
+                  </a:txBody>
+                  <a:tcPr/>
+                </a:tc>
+                <a:tc vMerge="1">
+                  <a:txBody>
+                    <a:bodyPr/>
+                    <a:lstStyle/>
+                    <a:p>
+                      <a:pPr latinLnBrk="1"/>
+                      <a:endParaRPr lang="ko-KR" altLang="en-US" dirty="0"/>
+                    </a:p>
+                  </a:txBody>
+                  <a:tcPr/>
+                </a:tc>
+                <a:tc vMerge="1">
+                  <a:txBody>
+                    <a:bodyPr/>
+                    <a:lstStyle/>
+                    <a:p>
+                      <a:pPr latinLnBrk="1"/>
+                      <a:endParaRPr lang="ko-KR" altLang="en-US"/>
+                    </a:p>
+                  </a:txBody>
+                  <a:tcPr/>
+                </a:tc>
+                <a:tc vMerge="1">
+                  <a:txBody>
+                    <a:bodyPr/>
+                    <a:lstStyle/>
+                    <a:p>
+                      <a:pPr latinLnBrk="1"/>
+                      <a:endParaRPr lang="ko-KR" altLang="en-US"/>
+                    </a:p>
+                  </a:txBody>
+                  <a:tcPr/>
+                </a:tc>
+                <a:tc gridSpan="2" vMerge="1">
+                  <a:txBody>
+                    <a:bodyPr/>
+                    <a:lstStyle/>
+                    <a:p>
+                      <a:pPr latinLnBrk="1"/>
+                      <a:endParaRPr lang="ko-KR" altLang="en-US" dirty="0"/>
+                    </a:p>
+                  </a:txBody>
+                  <a:tcPr/>
+                </a:tc>
+                <a:tc hMerge="1" vMerge="1">
+                  <a:txBody>
+                    <a:bodyPr/>
+                    <a:lstStyle/>
+                    <a:p>
+                      <a:pPr latinLnBrk="1"/>
+                      <a:endParaRPr lang="ko-KR" altLang="en-US"/>
+                    </a:p>
+                  </a:txBody>
+                  <a:tcPr/>
+                </a:tc>
+                <a:extLst>
+                  <a:ext uri="{0D108BD9-81ED-4DB2-BD59-A6C34878D82A}">
+                    <a16:rowId xmlns:a16="http://schemas.microsoft.com/office/drawing/2014/main" val="1747177976"/>
+                  </a:ext>
+                </a:extLst>
+              </a:tr>
+            </a:tbl>
+          </a:graphicData>
+        </a:graphic>
+      </p:graphicFrame>
+      <p:sp>
+        <p:nvSpPr>
+          <p:cNvPr id="6" name="TextBox 5">
+            <a:extLst>
+              <a:ext uri="{FF2B5EF4-FFF2-40B4-BE49-F238E27FC236}">
+                <a16:creationId xmlns:a16="http://schemas.microsoft.com/office/drawing/2014/main" id="{FE2A7B1E-06CA-4DD0-8290-D1E3A57F1A0A}"/>
+              </a:ext>
+            </a:extLst>
+          </p:cNvPr>
+          <p:cNvSpPr txBox="1"/>
+          <p:nvPr/>
+        </p:nvSpPr>
+        <p:spPr>
+          <a:xfrm>
+            <a:off x="89338" y="0"/>
+            <a:ext cx="12013324" cy="523220"/>
+          </a:xfrm>
+          <a:prstGeom prst="rect">
+            <a:avLst/>
+          </a:prstGeom>
+          <a:noFill/>
+        </p:spPr>
+        <p:txBody>
+          <a:bodyPr wrap="square" rtlCol="0">
+            <a:spAutoFit/>
+          </a:bodyPr>
+          <a:lstStyle/>
+          <a:p>
+            <a:pPr algn="ctr"/>
+            <a:r>
+              <a:rPr lang="ko-KR" altLang="en-US" sz="2800"/>
+              <a:t>난이도 선택</a:t>
+            </a:r>
+            <a:endParaRPr lang="ko-KR" altLang="en-US" sz="2800" dirty="0"/>
+          </a:p>
+        </p:txBody>
+      </p:sp>
+      <p:pic>
+        <p:nvPicPr>
+          <p:cNvPr id="8" name="그림 7">
+            <a:extLst>
+              <a:ext uri="{FF2B5EF4-FFF2-40B4-BE49-F238E27FC236}">
+                <a16:creationId xmlns:a16="http://schemas.microsoft.com/office/drawing/2014/main" id="{F6FCAF84-A838-4E92-BB88-3E4D40FF55E3}"/>
+              </a:ext>
+            </a:extLst>
+          </p:cNvPr>
+          <p:cNvPicPr>
+            <a:picLocks noChangeAspect="1"/>
+          </p:cNvPicPr>
+          <p:nvPr/>
+        </p:nvPicPr>
+        <p:blipFill>
+          <a:blip r:embed="rId2">
+            <a:extLst>
+              <a:ext uri="{28A0092B-C50C-407E-A947-70E740481C1C}">
+                <a14:useLocalDpi xmlns:a14="http://schemas.microsoft.com/office/drawing/2010/main" val="0"/>
+              </a:ext>
+              <a:ext uri="{837473B0-CC2E-450A-ABE3-18F120FF3D39}">
+                <a1611:picAttrSrcUrl xmlns:a1611="http://schemas.microsoft.com/office/drawing/2016/11/main" r:id="rId3"/>
+              </a:ext>
+            </a:extLst>
+          </a:blip>
+          <a:stretch>
+            <a:fillRect/>
+          </a:stretch>
+        </p:blipFill>
+        <p:spPr>
+          <a:xfrm>
+            <a:off x="10281745" y="3153244"/>
+            <a:ext cx="627993" cy="1087821"/>
+          </a:xfrm>
+          <a:prstGeom prst="rect">
+            <a:avLst/>
+          </a:prstGeom>
+        </p:spPr>
+      </p:pic>
+      <p:pic>
+        <p:nvPicPr>
+          <p:cNvPr id="9" name="그림 8">
+            <a:extLst>
+              <a:ext uri="{FF2B5EF4-FFF2-40B4-BE49-F238E27FC236}">
+                <a16:creationId xmlns:a16="http://schemas.microsoft.com/office/drawing/2014/main" id="{B1DD805D-E4F2-406B-B374-50E3A8A3EB23}"/>
+              </a:ext>
+            </a:extLst>
+          </p:cNvPr>
+          <p:cNvPicPr>
+            <a:picLocks noChangeAspect="1"/>
+          </p:cNvPicPr>
+          <p:nvPr/>
+        </p:nvPicPr>
+        <p:blipFill>
+          <a:blip r:embed="rId2">
+            <a:extLst>
+              <a:ext uri="{28A0092B-C50C-407E-A947-70E740481C1C}">
+                <a14:useLocalDpi xmlns:a14="http://schemas.microsoft.com/office/drawing/2010/main" val="0"/>
+              </a:ext>
+              <a:ext uri="{837473B0-CC2E-450A-ABE3-18F120FF3D39}">
+                <a1611:picAttrSrcUrl xmlns:a1611="http://schemas.microsoft.com/office/drawing/2016/11/main" r:id="rId3"/>
+              </a:ext>
+            </a:extLst>
+          </a:blip>
+          <a:stretch>
+            <a:fillRect/>
+          </a:stretch>
+        </p:blipFill>
+        <p:spPr>
+          <a:xfrm rot="10800000">
+            <a:off x="3552496" y="3237725"/>
+            <a:ext cx="627993" cy="1087821"/>
+          </a:xfrm>
+          <a:prstGeom prst="rect">
+            <a:avLst/>
+          </a:prstGeom>
+        </p:spPr>
+      </p:pic>
+      <p:grpSp>
+        <p:nvGrpSpPr>
+          <p:cNvPr id="5" name="그룹 4">
+            <a:extLst>
+              <a:ext uri="{FF2B5EF4-FFF2-40B4-BE49-F238E27FC236}">
+                <a16:creationId xmlns:a16="http://schemas.microsoft.com/office/drawing/2014/main" id="{8744AAAA-6F51-455B-AE47-A8E42BDD5A8C}"/>
+              </a:ext>
+            </a:extLst>
+          </p:cNvPr>
+          <p:cNvGrpSpPr/>
+          <p:nvPr/>
+        </p:nvGrpSpPr>
+        <p:grpSpPr>
+          <a:xfrm>
+            <a:off x="1958689" y="1448168"/>
+            <a:ext cx="1414431" cy="440188"/>
+            <a:chOff x="55179" y="1510532"/>
+            <a:chExt cx="1891862" cy="2815014"/>
+          </a:xfrm>
+        </p:grpSpPr>
+        <p:sp>
+          <p:nvSpPr>
+            <p:cNvPr id="2" name="직사각형 1">
+              <a:extLst>
+                <a:ext uri="{FF2B5EF4-FFF2-40B4-BE49-F238E27FC236}">
+                  <a16:creationId xmlns:a16="http://schemas.microsoft.com/office/drawing/2014/main" id="{933F5EFA-EF71-41CF-B83E-8245BF59A957}"/>
+                </a:ext>
+              </a:extLst>
+            </p:cNvPr>
+            <p:cNvSpPr/>
+            <p:nvPr/>
+          </p:nvSpPr>
+          <p:spPr>
+            <a:xfrm>
+              <a:off x="55179" y="1510532"/>
+              <a:ext cx="1891862" cy="2815014"/>
+            </a:xfrm>
+            <a:prstGeom prst="rect">
+              <a:avLst/>
+            </a:prstGeom>
+          </p:spPr>
+          <p:style>
+            <a:lnRef idx="2">
+              <a:schemeClr val="accent1">
+                <a:shade val="50000"/>
+              </a:schemeClr>
+            </a:lnRef>
+            <a:fillRef idx="1">
+              <a:schemeClr val="accent1"/>
+            </a:fillRef>
+            <a:effectRef idx="0">
+              <a:schemeClr val="accent1"/>
+            </a:effectRef>
+            <a:fontRef idx="minor">
+              <a:schemeClr val="lt1"/>
+            </a:fontRef>
+          </p:style>
+          <p:txBody>
+            <a:bodyPr rtlCol="0" anchor="ctr"/>
+            <a:lstStyle/>
+            <a:p>
+              <a:pPr algn="ctr"/>
+              <a:endParaRPr lang="ko-KR" altLang="en-US"/>
+            </a:p>
+          </p:txBody>
+        </p:sp>
+        <p:sp>
+          <p:nvSpPr>
+            <p:cNvPr id="3" name="TextBox 2">
+              <a:extLst>
+                <a:ext uri="{FF2B5EF4-FFF2-40B4-BE49-F238E27FC236}">
+                  <a16:creationId xmlns:a16="http://schemas.microsoft.com/office/drawing/2014/main" id="{BFE69A49-9C3F-439B-9FF0-A8001EBFD71B}"/>
+                </a:ext>
+              </a:extLst>
+            </p:cNvPr>
+            <p:cNvSpPr txBox="1"/>
+            <p:nvPr/>
+          </p:nvSpPr>
+          <p:spPr>
+            <a:xfrm>
+              <a:off x="153712" y="1639616"/>
+              <a:ext cx="1722385" cy="2361889"/>
+            </a:xfrm>
+            <a:prstGeom prst="rect">
+              <a:avLst/>
+            </a:prstGeom>
+            <a:solidFill>
+              <a:schemeClr val="bg1"/>
+            </a:solidFill>
+          </p:spPr>
+          <p:txBody>
+            <a:bodyPr wrap="square" rtlCol="0">
+              <a:spAutoFit/>
+            </a:bodyPr>
+            <a:lstStyle/>
+            <a:p>
+              <a:r>
+                <a:rPr lang="ko-KR" altLang="en-US" dirty="0"/>
+                <a:t>시간</a:t>
+              </a:r>
+            </a:p>
+          </p:txBody>
+        </p:sp>
+      </p:grpSp>
+    </p:spTree>
+    <p:extLst>
+      <p:ext uri="{BB962C8B-B14F-4D97-AF65-F5344CB8AC3E}">
+        <p14:creationId xmlns:p14="http://schemas.microsoft.com/office/powerpoint/2010/main" val="1345275344"/>
       </p:ext>
     </p:extLst>
   </p:cSld>
